--- a/Percolation/Percolation_Presentation.pptx
+++ b/Percolation/Percolation_Presentation.pptx
@@ -5,10 +5,10 @@
     <p:sldMasterId id="2147483912" r:id="rId2"/>
   </p:sldMasterIdLst>
   <p:notesMasterIdLst>
-    <p:notesMasterId r:id="rId14"/>
+    <p:notesMasterId r:id="rId15"/>
   </p:notesMasterIdLst>
   <p:handoutMasterIdLst>
-    <p:handoutMasterId r:id="rId15"/>
+    <p:handoutMasterId r:id="rId16"/>
   </p:handoutMasterIdLst>
   <p:sldIdLst>
     <p:sldId id="256" r:id="rId3"/>
@@ -16,12 +16,13 @@
     <p:sldId id="258" r:id="rId5"/>
     <p:sldId id="270" r:id="rId6"/>
     <p:sldId id="265" r:id="rId7"/>
-    <p:sldId id="285" r:id="rId8"/>
-    <p:sldId id="274" r:id="rId9"/>
-    <p:sldId id="281" r:id="rId10"/>
-    <p:sldId id="277" r:id="rId11"/>
+    <p:sldId id="288" r:id="rId8"/>
+    <p:sldId id="285" r:id="rId9"/>
+    <p:sldId id="274" r:id="rId10"/>
+    <p:sldId id="286" r:id="rId11"/>
     <p:sldId id="275" r:id="rId12"/>
-    <p:sldId id="280" r:id="rId13"/>
+    <p:sldId id="277" r:id="rId13"/>
+    <p:sldId id="287" r:id="rId14"/>
   </p:sldIdLst>
   <p:sldSz cx="12188825" cy="6858000"/>
   <p:notesSz cx="6858000" cy="9144000"/>
@@ -235,7 +236,7 @@
           <a:p>
             <a:fld id="{BEA74EB7-856E-45FD-83F0-5F7C6F3E4372}" type="datetimeFigureOut">
               <a:rPr lang="en-US"/>
-              <a:t>4/12/2017</a:t>
+              <a:t>4/13/17</a:t>
             </a:fld>
             <a:endParaRPr/>
           </a:p>
@@ -400,7 +401,7 @@
           <a:p>
             <a:fld id="{C61B0E40-8125-41F8-BB6C-139D8D531A4F}" type="datetimeFigureOut">
               <a:rPr lang="en-US"/>
-              <a:t>4/12/2017</a:t>
+              <a:t>4/13/17</a:t>
             </a:fld>
             <a:endParaRPr/>
           </a:p>
@@ -660,90 +661,6 @@
     </a:lvl9pPr>
   </p:notesStyle>
 </p:notesMaster>
-</file>
-
-<file path=ppt/notesSlides/notesSlide1.xml><?xml version="1.0" encoding="utf-8"?>
-<p:notes xmlns:a="http://schemas.openxmlformats.org/drawingml/2006/main" xmlns:r="http://schemas.openxmlformats.org/officeDocument/2006/relationships" xmlns:p="http://schemas.openxmlformats.org/presentationml/2006/main">
-  <p:cSld>
-    <p:spTree>
-      <p:nvGrpSpPr>
-        <p:cNvPr id="1" name=""/>
-        <p:cNvGrpSpPr/>
-        <p:nvPr/>
-      </p:nvGrpSpPr>
-      <p:grpSpPr>
-        <a:xfrm>
-          <a:off x="0" y="0"/>
-          <a:ext cx="0" cy="0"/>
-          <a:chOff x="0" y="0"/>
-          <a:chExt cx="0" cy="0"/>
-        </a:xfrm>
-      </p:grpSpPr>
-      <p:sp>
-        <p:nvSpPr>
-          <p:cNvPr id="2" name="Slide Image Placeholder 1"/>
-          <p:cNvSpPr>
-            <a:spLocks noGrp="1" noRot="1" noChangeAspect="1"/>
-          </p:cNvSpPr>
-          <p:nvPr>
-            <p:ph type="sldImg"/>
-          </p:nvPr>
-        </p:nvSpPr>
-        <p:spPr/>
-      </p:sp>
-      <p:sp>
-        <p:nvSpPr>
-          <p:cNvPr id="3" name="Notes Placeholder 2"/>
-          <p:cNvSpPr>
-            <a:spLocks noGrp="1"/>
-          </p:cNvSpPr>
-          <p:nvPr>
-            <p:ph type="body" idx="1"/>
-          </p:nvPr>
-        </p:nvSpPr>
-        <p:spPr/>
-        <p:txBody>
-          <a:bodyPr/>
-          <a:lstStyle/>
-          <a:p>
-            <a:endParaRPr lang="en-US" dirty="0"/>
-          </a:p>
-        </p:txBody>
-      </p:sp>
-      <p:sp>
-        <p:nvSpPr>
-          <p:cNvPr id="4" name="Slide Number Placeholder 3"/>
-          <p:cNvSpPr>
-            <a:spLocks noGrp="1"/>
-          </p:cNvSpPr>
-          <p:nvPr>
-            <p:ph type="sldNum" sz="quarter" idx="10"/>
-          </p:nvPr>
-        </p:nvSpPr>
-        <p:spPr/>
-        <p:txBody>
-          <a:bodyPr/>
-          <a:lstStyle/>
-          <a:p>
-            <a:fld id="{BF105DB2-FD3E-441D-8B7E-7AE83ECE27B3}" type="slidenum">
-              <a:rPr lang="en-US" smtClean="0"/>
-              <a:t>8</a:t>
-            </a:fld>
-            <a:endParaRPr lang="en-US"/>
-          </a:p>
-        </p:txBody>
-      </p:sp>
-    </p:spTree>
-    <p:extLst>
-      <p:ext uri="{BB962C8B-B14F-4D97-AF65-F5344CB8AC3E}">
-        <p14:creationId xmlns:p14="http://schemas.microsoft.com/office/powerpoint/2010/main" val="2925313509"/>
-      </p:ext>
-    </p:extLst>
-  </p:cSld>
-  <p:clrMapOvr>
-    <a:masterClrMapping/>
-  </p:clrMapOvr>
-</p:notes>
 </file>
 
 <file path=ppt/slideLayouts/slideLayout1.xml><?xml version="1.0" encoding="utf-8"?>
@@ -1301,7 +1218,7 @@
             <a:fld id="{8E36636D-D922-432D-A958-524484B5923D}" type="datetimeFigureOut">
               <a:rPr lang="en-US"/>
               <a:pPr/>
-              <a:t>4/12/2017</a:t>
+              <a:t>4/13/17</a:t>
             </a:fld>
             <a:endParaRPr/>
           </a:p>
@@ -1501,7 +1418,7 @@
             <a:fld id="{8E36636D-D922-432D-A958-524484B5923D}" type="datetimeFigureOut">
               <a:rPr lang="en-US"/>
               <a:pPr/>
-              <a:t>4/12/2017</a:t>
+              <a:t>4/13/17</a:t>
             </a:fld>
             <a:endParaRPr/>
           </a:p>
@@ -1711,7 +1628,7 @@
             <a:fld id="{8E36636D-D922-432D-A958-524484B5923D}" type="datetimeFigureOut">
               <a:rPr lang="en-US"/>
               <a:pPr/>
-              <a:t>4/12/2017</a:t>
+              <a:t>4/13/17</a:t>
             </a:fld>
             <a:endParaRPr/>
           </a:p>
@@ -1901,7 +1818,7 @@
             <a:fld id="{8E36636D-D922-432D-A958-524484B5923D}" type="datetimeFigureOut">
               <a:rPr lang="en-US"/>
               <a:pPr/>
-              <a:t>4/12/2017</a:t>
+              <a:t>4/13/17</a:t>
             </a:fld>
             <a:endParaRPr/>
           </a:p>
@@ -2174,7 +2091,7 @@
             <a:fld id="{8E36636D-D922-432D-A958-524484B5923D}" type="datetimeFigureOut">
               <a:rPr lang="en-US"/>
               <a:pPr/>
-              <a:t>4/12/2017</a:t>
+              <a:t>4/13/17</a:t>
             </a:fld>
             <a:endParaRPr/>
           </a:p>
@@ -2496,7 +2413,7 @@
             <a:fld id="{8E36636D-D922-432D-A958-524484B5923D}" type="datetimeFigureOut">
               <a:rPr lang="en-US"/>
               <a:pPr/>
-              <a:t>4/12/2017</a:t>
+              <a:t>4/13/17</a:t>
             </a:fld>
             <a:endParaRPr/>
           </a:p>
@@ -2946,7 +2863,7 @@
             <a:fld id="{8E36636D-D922-432D-A958-524484B5923D}" type="datetimeFigureOut">
               <a:rPr lang="en-US"/>
               <a:pPr/>
-              <a:t>4/12/2017</a:t>
+              <a:t>4/13/17</a:t>
             </a:fld>
             <a:endParaRPr/>
           </a:p>
@@ -3078,7 +2995,7 @@
             <a:fld id="{8E36636D-D922-432D-A958-524484B5923D}" type="datetimeFigureOut">
               <a:rPr lang="en-US"/>
               <a:pPr/>
-              <a:t>4/12/2017</a:t>
+              <a:t>4/13/17</a:t>
             </a:fld>
             <a:endParaRPr/>
           </a:p>
@@ -3340,7 +3257,7 @@
             <a:fld id="{8E36636D-D922-432D-A958-524484B5923D}" type="datetimeFigureOut">
               <a:rPr lang="en-US"/>
               <a:pPr/>
-              <a:t>4/12/2017</a:t>
+              <a:t>4/13/17</a:t>
             </a:fld>
             <a:endParaRPr/>
           </a:p>
@@ -3687,7 +3604,7 @@
             <a:fld id="{8E36636D-D922-432D-A958-524484B5923D}" type="datetimeFigureOut">
               <a:rPr lang="en-US"/>
               <a:pPr/>
-              <a:t>4/12/2017</a:t>
+              <a:t>4/13/17</a:t>
             </a:fld>
             <a:endParaRPr/>
           </a:p>
@@ -4022,7 +3939,7 @@
             <a:fld id="{8E36636D-D922-432D-A958-524484B5923D}" type="datetimeFigureOut">
               <a:rPr lang="en-US"/>
               <a:pPr/>
-              <a:t>4/12/2017</a:t>
+              <a:t>4/13/17</a:t>
             </a:fld>
             <a:endParaRPr/>
           </a:p>
@@ -4553,7 +4470,7 @@
             <a:fld id="{8E36636D-D922-432D-A958-524484B5923D}" type="datetimeFigureOut">
               <a:rPr lang="en-US"/>
               <a:pPr/>
-              <a:t>4/12/2017</a:t>
+              <a:t>4/13/17</a:t>
             </a:fld>
             <a:endParaRPr/>
           </a:p>
@@ -5093,6 +5010,13 @@
       </p:transition>
     </mc:Fallback>
   </mc:AlternateContent>
+  <p:timing>
+    <p:tnLst>
+      <p:par>
+        <p:cTn id="1" dur="indefinite" restart="never" nodeType="tmRoot"/>
+      </p:par>
+    </p:tnLst>
+  </p:timing>
 </p:sld>
 </file>
 
@@ -5157,6 +5081,13 @@
       </p:transition>
     </mc:Fallback>
   </mc:AlternateContent>
+  <p:timing>
+    <p:tnLst>
+      <p:par>
+        <p:cTn id="1" dur="indefinite" restart="never" nodeType="tmRoot"/>
+      </p:par>
+    </p:tnLst>
+  </p:timing>
 </p:sld>
 </file>
 
@@ -5179,14 +5110,315 @@
       </p:grpSpPr>
       <p:sp>
         <p:nvSpPr>
-          <p:cNvPr id="2" name="TextBox 1"/>
+          <p:cNvPr id="8" name="Title 7"/>
+          <p:cNvSpPr>
+            <a:spLocks noGrp="1"/>
+          </p:cNvSpPr>
+          <p:nvPr>
+            <p:ph type="title"/>
+          </p:nvPr>
+        </p:nvSpPr>
+        <p:spPr>
+          <a:xfrm>
+            <a:off x="7932595" y="0"/>
+            <a:ext cx="4172825" cy="1066800"/>
+          </a:xfrm>
+        </p:spPr>
+        <p:txBody>
+          <a:bodyPr/>
+          <a:lstStyle/>
+          <a:p>
+            <a:r>
+              <a:rPr lang="en-US" smtClean="0"/>
+              <a:t>Critical Exponent</a:t>
+            </a:r>
+            <a:endParaRPr lang="en-US" dirty="0"/>
+          </a:p>
+        </p:txBody>
+      </p:sp>
+      <p:pic>
+        <p:nvPicPr>
+          <p:cNvPr id="11" name="Picture 10"/>
+          <p:cNvPicPr>
+            <a:picLocks noChangeAspect="1"/>
+          </p:cNvPicPr>
+          <p:nvPr/>
+        </p:nvPicPr>
+        <p:blipFill>
+          <a:blip r:embed="rId2"/>
+          <a:stretch>
+            <a:fillRect/>
+          </a:stretch>
+        </p:blipFill>
+        <p:spPr>
+          <a:xfrm>
+            <a:off x="7795511" y="1607753"/>
+            <a:ext cx="1924050" cy="447675"/>
+          </a:xfrm>
+          <a:prstGeom prst="rect">
+            <a:avLst/>
+          </a:prstGeom>
+        </p:spPr>
+      </p:pic>
+      <p:pic>
+        <p:nvPicPr>
+          <p:cNvPr id="12" name="Picture 11"/>
+          <p:cNvPicPr>
+            <a:picLocks noChangeAspect="1"/>
+          </p:cNvPicPr>
+          <p:nvPr/>
+        </p:nvPicPr>
+        <p:blipFill>
+          <a:blip r:embed="rId3"/>
+          <a:stretch>
+            <a:fillRect/>
+          </a:stretch>
+        </p:blipFill>
+        <p:spPr>
+          <a:xfrm>
+            <a:off x="7691322" y="2034218"/>
+            <a:ext cx="3314700" cy="847725"/>
+          </a:xfrm>
+          <a:prstGeom prst="rect">
+            <a:avLst/>
+          </a:prstGeom>
+        </p:spPr>
+      </p:pic>
+      <mc:AlternateContent xmlns:mc="http://schemas.openxmlformats.org/markup-compatibility/2006">
+        <mc:Choice xmlns:a14="http://schemas.microsoft.com/office/drawing/2010/main" Requires="a14">
+          <p:sp>
+            <p:nvSpPr>
+              <p:cNvPr id="13" name="TextBox 12"/>
+              <p:cNvSpPr txBox="1"/>
+              <p:nvPr/>
+            </p:nvSpPr>
+            <p:spPr>
+              <a:xfrm>
+                <a:off x="7712036" y="3254842"/>
+                <a:ext cx="3810000" cy="424732"/>
+              </a:xfrm>
+              <a:prstGeom prst="rect">
+                <a:avLst/>
+              </a:prstGeom>
+              <a:noFill/>
+            </p:spPr>
+            <p:txBody>
+              <a:bodyPr wrap="square" rtlCol="0">
+                <a:spAutoFit/>
+              </a:bodyPr>
+              <a:lstStyle/>
+              <a:p>
+                <a:pPr>
+                  <a:lnSpc>
+                    <a:spcPct val="90000"/>
+                  </a:lnSpc>
+                </a:pPr>
+                <a:r>
+                  <a:rPr lang="en-US" sz="2400" b="1" dirty="0" smtClean="0"/>
+                  <a:t>Theoretical</a:t>
+                </a:r>
+                <a:r>
+                  <a:rPr lang="en-US" sz="2400" dirty="0" smtClean="0"/>
+                  <a:t> </a:t>
+                </a:r>
+                <a14:m>
+                  <m:oMath xmlns:m="http://schemas.openxmlformats.org/officeDocument/2006/math">
+                    <m:r>
+                      <a:rPr lang="en-US" sz="2400" i="1" smtClean="0">
+                        <a:latin typeface="Cambria Math" charset="0"/>
+                        <a:ea typeface="Cambria Math" charset="0"/>
+                        <a:cs typeface="Cambria Math" charset="0"/>
+                      </a:rPr>
+                      <m:t>𝛽</m:t>
+                    </m:r>
+                    <m:r>
+                      <a:rPr lang="en-US" sz="2400" b="0" i="1" smtClean="0">
+                        <a:latin typeface="Cambria Math" charset="0"/>
+                        <a:ea typeface="Cambria Math" charset="0"/>
+                        <a:cs typeface="Cambria Math" charset="0"/>
+                      </a:rPr>
+                      <m:t>:</m:t>
+                    </m:r>
+                  </m:oMath>
+                </a14:m>
+                <a:endParaRPr lang="en-US" sz="2400" dirty="0"/>
+              </a:p>
+            </p:txBody>
+          </p:sp>
+        </mc:Choice>
+        <mc:Fallback>
+          <p:sp>
+            <p:nvSpPr>
+              <p:cNvPr id="13" name="TextBox 12"/>
+              <p:cNvSpPr txBox="1">
+                <a:spLocks noRot="1" noChangeAspect="1" noMove="1" noResize="1" noEditPoints="1" noAdjustHandles="1" noChangeArrowheads="1" noChangeShapeType="1" noTextEdit="1"/>
+              </p:cNvSpPr>
+              <p:nvPr/>
+            </p:nvSpPr>
+            <p:spPr>
+              <a:xfrm>
+                <a:off x="7712036" y="3254842"/>
+                <a:ext cx="3810000" cy="424732"/>
+              </a:xfrm>
+              <a:prstGeom prst="rect">
+                <a:avLst/>
+              </a:prstGeom>
+              <a:blipFill rotWithShape="0">
+                <a:blip r:embed="rId4"/>
+                <a:stretch>
+                  <a:fillRect l="-2400" t="-21429" b="-30000"/>
+                </a:stretch>
+              </a:blipFill>
+            </p:spPr>
+            <p:txBody>
+              <a:bodyPr/>
+              <a:lstStyle/>
+              <a:p>
+                <a:r>
+                  <a:rPr lang="en-US">
+                    <a:noFill/>
+                  </a:rPr>
+                  <a:t> </a:t>
+                </a:r>
+              </a:p>
+            </p:txBody>
+          </p:sp>
+        </mc:Fallback>
+      </mc:AlternateContent>
+      <mc:AlternateContent xmlns:mc="http://schemas.openxmlformats.org/markup-compatibility/2006">
+        <mc:Choice xmlns:a14="http://schemas.microsoft.com/office/drawing/2010/main" Requires="a14">
+          <p:sp>
+            <p:nvSpPr>
+              <p:cNvPr id="14" name="TextBox 13"/>
+              <p:cNvSpPr txBox="1"/>
+              <p:nvPr/>
+            </p:nvSpPr>
+            <p:spPr>
+              <a:xfrm>
+                <a:off x="9960232" y="3270471"/>
+                <a:ext cx="1924629" cy="443198"/>
+              </a:xfrm>
+              <a:prstGeom prst="rect">
+                <a:avLst/>
+              </a:prstGeom>
+              <a:noFill/>
+            </p:spPr>
+            <p:txBody>
+              <a:bodyPr wrap="none" lIns="0" tIns="0" rIns="0" bIns="0" rtlCol="0">
+                <a:spAutoFit/>
+              </a:bodyPr>
+              <a:lstStyle/>
+              <a:p>
+                <a:pPr>
+                  <a:lnSpc>
+                    <a:spcPct val="90000"/>
+                  </a:lnSpc>
+                </a:pPr>
+                <a14:m>
+                  <m:oMathPara xmlns:m="http://schemas.openxmlformats.org/officeDocument/2006/math">
+                    <m:oMathParaPr>
+                      <m:jc m:val="centerGroup"/>
+                    </m:oMathParaPr>
+                    <m:oMath xmlns:m="http://schemas.openxmlformats.org/officeDocument/2006/math">
+                      <m:f>
+                        <m:fPr>
+                          <m:type m:val="skw"/>
+                          <m:ctrlPr>
+                            <a:rPr lang="en-US" sz="2400" i="1" smtClean="0">
+                              <a:latin typeface="Cambria Math" charset="0"/>
+                            </a:rPr>
+                          </m:ctrlPr>
+                        </m:fPr>
+                        <m:num>
+                          <m:r>
+                            <a:rPr lang="en-US" sz="2400" b="0" i="1" smtClean="0">
+                              <a:latin typeface="Cambria Math" charset="0"/>
+                            </a:rPr>
+                            <m:t>5</m:t>
+                          </m:r>
+                        </m:num>
+                        <m:den>
+                          <m:r>
+                            <a:rPr lang="en-US" sz="2400" b="0" i="1" smtClean="0">
+                              <a:latin typeface="Cambria Math" charset="0"/>
+                            </a:rPr>
+                            <m:t>36</m:t>
+                          </m:r>
+                        </m:den>
+                      </m:f>
+                      <m:r>
+                        <a:rPr lang="en-US" sz="2400" i="1" smtClean="0">
+                          <a:latin typeface="Cambria Math" charset="0"/>
+                          <a:ea typeface="Cambria Math" charset="0"/>
+                          <a:cs typeface="Cambria Math" charset="0"/>
+                        </a:rPr>
+                        <m:t>≈</m:t>
+                      </m:r>
+                      <m:r>
+                        <a:rPr lang="en-US" sz="2400" b="0" i="1" smtClean="0">
+                          <a:latin typeface="Cambria Math" charset="0"/>
+                          <a:ea typeface="Cambria Math" charset="0"/>
+                          <a:cs typeface="Cambria Math" charset="0"/>
+                        </a:rPr>
+                        <m:t>.1389</m:t>
+                      </m:r>
+                    </m:oMath>
+                  </m:oMathPara>
+                </a14:m>
+                <a:endParaRPr lang="en-US" sz="2400" dirty="0"/>
+              </a:p>
+            </p:txBody>
+          </p:sp>
+        </mc:Choice>
+        <mc:Fallback>
+          <p:sp>
+            <p:nvSpPr>
+              <p:cNvPr id="14" name="TextBox 13"/>
+              <p:cNvSpPr txBox="1">
+                <a:spLocks noRot="1" noChangeAspect="1" noMove="1" noResize="1" noEditPoints="1" noAdjustHandles="1" noChangeArrowheads="1" noChangeShapeType="1" noTextEdit="1"/>
+              </p:cNvSpPr>
+              <p:nvPr/>
+            </p:nvSpPr>
+            <p:spPr>
+              <a:xfrm>
+                <a:off x="9960232" y="3270471"/>
+                <a:ext cx="1924629" cy="443198"/>
+              </a:xfrm>
+              <a:prstGeom prst="rect">
+                <a:avLst/>
+              </a:prstGeom>
+              <a:blipFill rotWithShape="0">
+                <a:blip r:embed="rId5"/>
+                <a:stretch>
+                  <a:fillRect b="-2740"/>
+                </a:stretch>
+              </a:blipFill>
+            </p:spPr>
+            <p:txBody>
+              <a:bodyPr/>
+              <a:lstStyle/>
+              <a:p>
+                <a:r>
+                  <a:rPr lang="en-US">
+                    <a:noFill/>
+                  </a:rPr>
+                  <a:t> </a:t>
+                </a:r>
+              </a:p>
+            </p:txBody>
+          </p:sp>
+        </mc:Fallback>
+      </mc:AlternateContent>
+      <p:sp>
+        <p:nvSpPr>
+          <p:cNvPr id="15" name="TextBox 14"/>
           <p:cNvSpPr txBox="1"/>
           <p:nvPr/>
         </p:nvSpPr>
         <p:spPr>
           <a:xfrm>
-            <a:off x="2817812" y="2819400"/>
-            <a:ext cx="5562600" cy="1421928"/>
+            <a:off x="7734609" y="3918832"/>
+            <a:ext cx="3810000" cy="424732"/>
           </a:xfrm>
           <a:prstGeom prst="rect">
             <a:avLst/>
@@ -5205,16 +5437,115 @@
               </a:lnSpc>
             </a:pPr>
             <a:r>
-              <a:rPr lang="en-US" sz="4800" dirty="0"/>
-              <a:t>Thank you for your time!</a:t>
-            </a:r>
-          </a:p>
-        </p:txBody>
-      </p:sp>
+              <a:rPr lang="en-US" sz="2400" b="1" dirty="0" smtClean="0"/>
+              <a:t>Our results</a:t>
+            </a:r>
+            <a:r>
+              <a:rPr lang="en-US" sz="2400" dirty="0" smtClean="0"/>
+              <a:t>:</a:t>
+            </a:r>
+            <a:endParaRPr lang="en-US" sz="2400" dirty="0"/>
+          </a:p>
+        </p:txBody>
+      </p:sp>
+      <p:sp>
+        <p:nvSpPr>
+          <p:cNvPr id="16" name="TextBox 15"/>
+          <p:cNvSpPr txBox="1"/>
+          <p:nvPr/>
+        </p:nvSpPr>
+        <p:spPr>
+          <a:xfrm>
+            <a:off x="8953807" y="4548727"/>
+            <a:ext cx="2590802" cy="1421928"/>
+          </a:xfrm>
+          <a:prstGeom prst="rect">
+            <a:avLst/>
+          </a:prstGeom>
+          <a:noFill/>
+        </p:spPr>
+        <p:txBody>
+          <a:bodyPr wrap="square" rtlCol="0">
+            <a:spAutoFit/>
+          </a:bodyPr>
+          <a:lstStyle/>
+          <a:p>
+            <a:pPr>
+              <a:lnSpc>
+                <a:spcPct val="90000"/>
+              </a:lnSpc>
+            </a:pPr>
+            <a:r>
+              <a:rPr lang="en-US" sz="2400" dirty="0" smtClean="0"/>
+              <a:t>0.1383</a:t>
+            </a:r>
+          </a:p>
+          <a:p>
+            <a:pPr>
+              <a:lnSpc>
+                <a:spcPct val="90000"/>
+              </a:lnSpc>
+            </a:pPr>
+            <a:r>
+              <a:rPr lang="en-US" sz="2400" dirty="0" smtClean="0"/>
+              <a:t>0.1094</a:t>
+            </a:r>
+          </a:p>
+          <a:p>
+            <a:pPr>
+              <a:lnSpc>
+                <a:spcPct val="90000"/>
+              </a:lnSpc>
+            </a:pPr>
+            <a:r>
+              <a:rPr lang="en-US" sz="2400" dirty="0" smtClean="0"/>
+              <a:t>0.1232</a:t>
+            </a:r>
+          </a:p>
+          <a:p>
+            <a:pPr>
+              <a:lnSpc>
+                <a:spcPct val="90000"/>
+              </a:lnSpc>
+            </a:pPr>
+            <a:endParaRPr lang="en-US" sz="2400" dirty="0"/>
+          </a:p>
+        </p:txBody>
+      </p:sp>
+      <p:pic>
+        <p:nvPicPr>
+          <p:cNvPr id="17" name="Picture 16"/>
+          <p:cNvPicPr>
+            <a:picLocks noChangeAspect="1"/>
+          </p:cNvPicPr>
+          <p:nvPr/>
+        </p:nvPicPr>
+        <p:blipFill>
+          <a:blip r:embed="rId6">
+            <a:extLst>
+              <a:ext uri="{28A0092B-C50C-407E-A947-70E740481C1C}">
+                <a14:useLocalDpi xmlns:a14="http://schemas.microsoft.com/office/drawing/2010/main" val="0"/>
+              </a:ext>
+            </a:extLst>
+          </a:blip>
+          <a:stretch>
+            <a:fillRect/>
+          </a:stretch>
+        </p:blipFill>
+        <p:spPr>
+          <a:xfrm>
+            <a:off x="342866" y="576691"/>
+            <a:ext cx="7317075" cy="5487806"/>
+          </a:xfrm>
+          <a:prstGeom prst="rect">
+            <a:avLst/>
+          </a:prstGeom>
+        </p:spPr>
+      </p:pic>
     </p:spTree>
     <p:extLst>
       <p:ext uri="{BB962C8B-B14F-4D97-AF65-F5344CB8AC3E}">
-        <p14:creationId xmlns:p14="http://schemas.microsoft.com/office/powerpoint/2010/main" val="273974273"/>
+        <p14:creationId xmlns:p14="http://schemas.microsoft.com/office/powerpoint/2010/main" val="1200765116"/>
       </p:ext>
     </p:extLst>
   </p:cSld>
@@ -5233,6 +5564,126 @@
       </p:transition>
     </mc:Fallback>
   </mc:AlternateContent>
+  <p:timing>
+    <p:tnLst>
+      <p:par>
+        <p:cTn id="1" dur="indefinite" restart="never" nodeType="tmRoot"/>
+      </p:par>
+    </p:tnLst>
+  </p:timing>
+</p:sld>
+</file>
+
+<file path=ppt/slides/slide12.xml><?xml version="1.0" encoding="utf-8"?>
+<p:sld xmlns:a="http://schemas.openxmlformats.org/drawingml/2006/main" xmlns:r="http://schemas.openxmlformats.org/officeDocument/2006/relationships" xmlns:p="http://schemas.openxmlformats.org/presentationml/2006/main">
+  <p:cSld>
+    <p:spTree>
+      <p:nvGrpSpPr>
+        <p:cNvPr id="1" name=""/>
+        <p:cNvGrpSpPr/>
+        <p:nvPr/>
+      </p:nvGrpSpPr>
+      <p:grpSpPr>
+        <a:xfrm>
+          <a:off x="0" y="0"/>
+          <a:ext cx="0" cy="0"/>
+          <a:chOff x="0" y="0"/>
+          <a:chExt cx="0" cy="0"/>
+        </a:xfrm>
+      </p:grpSpPr>
+      <p:pic>
+        <p:nvPicPr>
+          <p:cNvPr id="2" name="Picture 1"/>
+          <p:cNvPicPr>
+            <a:picLocks noChangeAspect="1"/>
+          </p:cNvPicPr>
+          <p:nvPr/>
+        </p:nvPicPr>
+        <p:blipFill>
+          <a:blip r:embed="rId2">
+            <a:extLst>
+              <a:ext uri="{28A0092B-C50C-407E-A947-70E740481C1C}">
+                <a14:useLocalDpi xmlns:a14="http://schemas.microsoft.com/office/drawing/2010/main" val="0"/>
+              </a:ext>
+            </a:extLst>
+          </a:blip>
+          <a:stretch>
+            <a:fillRect/>
+          </a:stretch>
+        </p:blipFill>
+        <p:spPr>
+          <a:xfrm>
+            <a:off x="684212" y="35312"/>
+            <a:ext cx="6096000" cy="6096000"/>
+          </a:xfrm>
+          <a:prstGeom prst="rect">
+            <a:avLst/>
+          </a:prstGeom>
+        </p:spPr>
+      </p:pic>
+      <p:sp>
+        <p:nvSpPr>
+          <p:cNvPr id="3" name="TextBox 2"/>
+          <p:cNvSpPr txBox="1"/>
+          <p:nvPr/>
+        </p:nvSpPr>
+        <p:spPr>
+          <a:xfrm>
+            <a:off x="7085012" y="2372348"/>
+            <a:ext cx="5562600" cy="1421928"/>
+          </a:xfrm>
+          <a:prstGeom prst="rect">
+            <a:avLst/>
+          </a:prstGeom>
+          <a:noFill/>
+        </p:spPr>
+        <p:txBody>
+          <a:bodyPr wrap="square" rtlCol="0">
+            <a:spAutoFit/>
+          </a:bodyPr>
+          <a:lstStyle/>
+          <a:p>
+            <a:pPr>
+              <a:lnSpc>
+                <a:spcPct val="90000"/>
+              </a:lnSpc>
+            </a:pPr>
+            <a:r>
+              <a:rPr lang="en-US" sz="4800" dirty="0"/>
+              <a:t>Thank you for your time!</a:t>
+            </a:r>
+          </a:p>
+        </p:txBody>
+      </p:sp>
+    </p:spTree>
+    <p:extLst>
+      <p:ext uri="{BB962C8B-B14F-4D97-AF65-F5344CB8AC3E}">
+        <p14:creationId xmlns:p14="http://schemas.microsoft.com/office/powerpoint/2010/main" val="1565125634"/>
+      </p:ext>
+    </p:extLst>
+  </p:cSld>
+  <p:clrMapOvr>
+    <a:masterClrMapping/>
+  </p:clrMapOvr>
+  <mc:AlternateContent xmlns:mc="http://schemas.openxmlformats.org/markup-compatibility/2006" xmlns:p14="http://schemas.microsoft.com/office/powerpoint/2010/main">
+    <mc:Choice Requires="p14">
+      <p:transition spd="med" p14:dur="700">
+        <p:fade/>
+      </p:transition>
+    </mc:Choice>
+    <mc:Fallback xmlns="">
+      <p:transition spd="med">
+        <p:fade/>
+      </p:transition>
+    </mc:Fallback>
+  </mc:AlternateContent>
+  <p:timing>
+    <p:tnLst>
+      <p:par>
+        <p:cTn id="1" dur="indefinite" restart="never" nodeType="tmRoot"/>
+      </p:par>
+    </p:tnLst>
+  </p:timing>
 </p:sld>
 </file>
 
@@ -5331,6 +5782,13 @@
       </p:transition>
     </mc:Fallback>
   </mc:AlternateContent>
+  <p:timing>
+    <p:tnLst>
+      <p:par>
+        <p:cTn id="1" dur="indefinite" restart="never" nodeType="tmRoot"/>
+      </p:par>
+    </p:tnLst>
+  </p:timing>
 </p:sld>
 </file>
 
@@ -5395,6 +5853,13 @@
       </p:transition>
     </mc:Fallback>
   </mc:AlternateContent>
+  <p:timing>
+    <p:tnLst>
+      <p:par>
+        <p:cTn id="1" dur="indefinite" restart="never" nodeType="tmRoot"/>
+      </p:par>
+    </p:tnLst>
+  </p:timing>
 </p:sld>
 </file>
 
@@ -5454,7 +5919,9 @@
           </a:xfrm>
         </p:spPr>
         <p:txBody>
-          <a:bodyPr/>
+          <a:bodyPr>
+            <a:normAutofit lnSpcReduction="10000"/>
+          </a:bodyPr>
           <a:lstStyle/>
           <a:p>
             <a:r>
@@ -5775,6 +6242,13 @@
       </p:transition>
     </mc:Fallback>
   </mc:AlternateContent>
+  <p:timing>
+    <p:tnLst>
+      <p:par>
+        <p:cTn id="1" dur="indefinite" restart="never" nodeType="tmRoot"/>
+      </p:par>
+    </p:tnLst>
+  </p:timing>
 </p:sld>
 </file>
 
@@ -5802,10 +6276,15 @@
             <a:spLocks noGrp="1"/>
           </p:cNvSpPr>
           <p:nvPr>
-            <p:ph type="title"/>
-          </p:nvPr>
-        </p:nvSpPr>
-        <p:spPr/>
+            <p:ph type="title" idx="4294967295"/>
+          </p:nvPr>
+        </p:nvSpPr>
+        <p:spPr>
+          <a:xfrm>
+            <a:off x="1375026" y="-1104901"/>
+            <a:ext cx="4498975" cy="2057400"/>
+          </a:xfrm>
+        </p:spPr>
         <p:txBody>
           <a:bodyPr/>
           <a:lstStyle/>
@@ -5824,14 +6303,22 @@
             <a:spLocks noGrp="1"/>
           </p:cNvSpPr>
           <p:nvPr>
-            <p:ph type="body" sz="half" idx="2"/>
-          </p:nvPr>
-        </p:nvSpPr>
-        <p:spPr/>
+            <p:ph type="body" sz="half" idx="4294967295"/>
+          </p:nvPr>
+        </p:nvSpPr>
+        <p:spPr>
+          <a:xfrm>
+            <a:off x="1375026" y="5638800"/>
+            <a:ext cx="5256212" cy="1797050"/>
+          </a:xfrm>
+        </p:spPr>
         <p:txBody>
           <a:bodyPr/>
           <a:lstStyle/>
           <a:p>
+            <a:pPr marL="0" indent="0">
+              <a:buNone/>
+            </a:pPr>
             <a:r>
               <a:rPr lang="en-US" dirty="0"/>
               <a:t>For N = 5, 10, 15, and 50</a:t>
@@ -5855,7 +6342,7 @@
         </p:blipFill>
         <p:spPr>
           <a:xfrm>
-            <a:off x="2084164" y="1219200"/>
+            <a:off x="1228764" y="1143000"/>
             <a:ext cx="2007783" cy="2007783"/>
           </a:xfrm>
           <a:prstGeom prst="rect">
@@ -5879,7 +6366,7 @@
         </p:blipFill>
         <p:spPr>
           <a:xfrm>
-            <a:off x="4570412" y="1219200"/>
+            <a:off x="3715012" y="1143000"/>
             <a:ext cx="2007783" cy="2007783"/>
           </a:xfrm>
           <a:prstGeom prst="rect">
@@ -5903,7 +6390,7 @@
         </p:blipFill>
         <p:spPr>
           <a:xfrm>
-            <a:off x="2084164" y="3326215"/>
+            <a:off x="1228764" y="3250015"/>
             <a:ext cx="2007783" cy="2007783"/>
           </a:xfrm>
           <a:prstGeom prst="rect">
@@ -5927,7 +6414,7 @@
         </p:blipFill>
         <p:spPr>
           <a:xfrm>
-            <a:off x="4568824" y="3326214"/>
+            <a:off x="3713424" y="3250014"/>
             <a:ext cx="2007783" cy="2007783"/>
           </a:xfrm>
           <a:prstGeom prst="rect">
@@ -5935,6 +6422,328 @@
           </a:prstGeom>
         </p:spPr>
       </p:pic>
+      <p:sp>
+        <p:nvSpPr>
+          <p:cNvPr id="8" name="Text Placeholder 4"/>
+          <p:cNvSpPr txBox="1">
+            <a:spLocks/>
+          </p:cNvSpPr>
+          <p:nvPr/>
+        </p:nvSpPr>
+        <p:spPr>
+          <a:xfrm>
+            <a:off x="6631238" y="1461090"/>
+            <a:ext cx="4876801" cy="685801"/>
+          </a:xfrm>
+          <a:prstGeom prst="rect">
+            <a:avLst/>
+          </a:prstGeom>
+        </p:spPr>
+        <p:txBody>
+          <a:bodyPr/>
+          <a:lstStyle>
+            <a:lvl1pPr marL="274320" indent="-274320" algn="l" defTabSz="914400" rtl="0" eaLnBrk="1" latinLnBrk="0" hangingPunct="1">
+              <a:lnSpc>
+                <a:spcPct val="90000"/>
+              </a:lnSpc>
+              <a:spcBef>
+                <a:spcPts val="1800"/>
+              </a:spcBef>
+              <a:buClr>
+                <a:schemeClr val="tx1"/>
+              </a:buClr>
+              <a:buSzPct val="100000"/>
+              <a:buFont typeface="Arial" pitchFamily="34" charset="0"/>
+              <a:buChar char="▪"/>
+              <a:defRPr sz="2400" kern="1200">
+                <a:solidFill>
+                  <a:schemeClr val="tx1"/>
+                </a:solidFill>
+                <a:latin typeface="+mn-lt"/>
+                <a:ea typeface="+mn-ea"/>
+                <a:cs typeface="+mn-cs"/>
+              </a:defRPr>
+            </a:lvl1pPr>
+            <a:lvl2pPr marL="548640" indent="-228600" algn="l" defTabSz="914400" rtl="0" eaLnBrk="1" latinLnBrk="0" hangingPunct="1">
+              <a:lnSpc>
+                <a:spcPct val="90000"/>
+              </a:lnSpc>
+              <a:spcBef>
+                <a:spcPts val="1000"/>
+              </a:spcBef>
+              <a:buClr>
+                <a:schemeClr val="tx1"/>
+              </a:buClr>
+              <a:buSzPct val="100000"/>
+              <a:buFont typeface="Arial" pitchFamily="34" charset="0"/>
+              <a:buChar char="–"/>
+              <a:defRPr sz="2000" kern="1200">
+                <a:solidFill>
+                  <a:schemeClr val="tx1"/>
+                </a:solidFill>
+                <a:latin typeface="+mn-lt"/>
+                <a:ea typeface="+mn-ea"/>
+                <a:cs typeface="+mn-cs"/>
+              </a:defRPr>
+            </a:lvl2pPr>
+            <a:lvl3pPr marL="822960" indent="-228600" algn="l" defTabSz="914400" rtl="0" eaLnBrk="1" latinLnBrk="0" hangingPunct="1">
+              <a:lnSpc>
+                <a:spcPct val="90000"/>
+              </a:lnSpc>
+              <a:spcBef>
+                <a:spcPts val="800"/>
+              </a:spcBef>
+              <a:buClr>
+                <a:schemeClr val="tx1"/>
+              </a:buClr>
+              <a:buSzPct val="100000"/>
+              <a:buFont typeface="Arial" pitchFamily="34" charset="0"/>
+              <a:buChar char="▪"/>
+              <a:defRPr sz="1800" kern="1200">
+                <a:solidFill>
+                  <a:schemeClr val="tx1"/>
+                </a:solidFill>
+                <a:latin typeface="+mn-lt"/>
+                <a:ea typeface="+mn-ea"/>
+                <a:cs typeface="+mn-cs"/>
+              </a:defRPr>
+            </a:lvl3pPr>
+            <a:lvl4pPr marL="1097280" indent="-228600" algn="l" defTabSz="914400" rtl="0" eaLnBrk="1" latinLnBrk="0" hangingPunct="1">
+              <a:lnSpc>
+                <a:spcPct val="90000"/>
+              </a:lnSpc>
+              <a:spcBef>
+                <a:spcPts val="800"/>
+              </a:spcBef>
+              <a:buClr>
+                <a:schemeClr val="tx1"/>
+              </a:buClr>
+              <a:buSzPct val="100000"/>
+              <a:buFont typeface="Arial" pitchFamily="34" charset="0"/>
+              <a:buChar char="–"/>
+              <a:defRPr sz="1600" kern="1200">
+                <a:solidFill>
+                  <a:schemeClr val="tx1"/>
+                </a:solidFill>
+                <a:latin typeface="+mn-lt"/>
+                <a:ea typeface="+mn-ea"/>
+                <a:cs typeface="+mn-cs"/>
+              </a:defRPr>
+            </a:lvl4pPr>
+            <a:lvl5pPr marL="1325880" indent="-228600" algn="l" defTabSz="914400" rtl="0" eaLnBrk="1" latinLnBrk="0" hangingPunct="1">
+              <a:lnSpc>
+                <a:spcPct val="90000"/>
+              </a:lnSpc>
+              <a:spcBef>
+                <a:spcPts val="800"/>
+              </a:spcBef>
+              <a:buClr>
+                <a:schemeClr val="tx1"/>
+              </a:buClr>
+              <a:buSzPct val="100000"/>
+              <a:buFont typeface="Arial" pitchFamily="34" charset="0"/>
+              <a:buChar char="▪"/>
+              <a:defRPr sz="1600" kern="1200">
+                <a:solidFill>
+                  <a:schemeClr val="tx1"/>
+                </a:solidFill>
+                <a:latin typeface="+mn-lt"/>
+                <a:ea typeface="+mn-ea"/>
+                <a:cs typeface="+mn-cs"/>
+              </a:defRPr>
+            </a:lvl5pPr>
+            <a:lvl6pPr marL="1554480" indent="-228600" algn="l" defTabSz="914400" rtl="0" eaLnBrk="1" latinLnBrk="0" hangingPunct="1">
+              <a:lnSpc>
+                <a:spcPct val="90000"/>
+              </a:lnSpc>
+              <a:spcBef>
+                <a:spcPts val="800"/>
+              </a:spcBef>
+              <a:buClr>
+                <a:schemeClr val="tx1"/>
+              </a:buClr>
+              <a:buSzPct val="100000"/>
+              <a:buFont typeface="Arial" pitchFamily="34" charset="0"/>
+              <a:buChar char="–"/>
+              <a:defRPr sz="1600" kern="1200">
+                <a:solidFill>
+                  <a:schemeClr val="tx1"/>
+                </a:solidFill>
+                <a:latin typeface="+mn-lt"/>
+                <a:ea typeface="+mn-ea"/>
+                <a:cs typeface="+mn-cs"/>
+              </a:defRPr>
+            </a:lvl6pPr>
+            <a:lvl7pPr marL="1783080" indent="-228600" algn="l" defTabSz="914400" rtl="0" eaLnBrk="1" latinLnBrk="0" hangingPunct="1">
+              <a:lnSpc>
+                <a:spcPct val="90000"/>
+              </a:lnSpc>
+              <a:spcBef>
+                <a:spcPts val="800"/>
+              </a:spcBef>
+              <a:buClr>
+                <a:schemeClr val="tx1"/>
+              </a:buClr>
+              <a:buSzPct val="100000"/>
+              <a:buFont typeface="Arial" pitchFamily="34" charset="0"/>
+              <a:buChar char="▪"/>
+              <a:defRPr sz="1600" kern="1200">
+                <a:solidFill>
+                  <a:schemeClr val="tx1"/>
+                </a:solidFill>
+                <a:latin typeface="+mn-lt"/>
+                <a:ea typeface="+mn-ea"/>
+                <a:cs typeface="+mn-cs"/>
+              </a:defRPr>
+            </a:lvl7pPr>
+            <a:lvl8pPr marL="2011680" indent="-228600" algn="l" defTabSz="914400" rtl="0" eaLnBrk="1" latinLnBrk="0" hangingPunct="1">
+              <a:lnSpc>
+                <a:spcPct val="90000"/>
+              </a:lnSpc>
+              <a:spcBef>
+                <a:spcPts val="800"/>
+              </a:spcBef>
+              <a:buClr>
+                <a:schemeClr val="tx1"/>
+              </a:buClr>
+              <a:buSzPct val="100000"/>
+              <a:buFont typeface="Arial" pitchFamily="34" charset="0"/>
+              <a:buChar char="–"/>
+              <a:defRPr sz="1600" kern="1200">
+                <a:solidFill>
+                  <a:schemeClr val="tx1"/>
+                </a:solidFill>
+                <a:latin typeface="+mn-lt"/>
+                <a:ea typeface="+mn-ea"/>
+                <a:cs typeface="+mn-cs"/>
+              </a:defRPr>
+            </a:lvl8pPr>
+            <a:lvl9pPr marL="2240280" indent="-228600" algn="l" defTabSz="914400" rtl="0" eaLnBrk="1" latinLnBrk="0" hangingPunct="1">
+              <a:lnSpc>
+                <a:spcPct val="90000"/>
+              </a:lnSpc>
+              <a:spcBef>
+                <a:spcPts val="800"/>
+              </a:spcBef>
+              <a:buClr>
+                <a:schemeClr val="tx1"/>
+              </a:buClr>
+              <a:buSzPct val="100000"/>
+              <a:buFont typeface="Arial" pitchFamily="34" charset="0"/>
+              <a:buChar char="▪"/>
+              <a:defRPr sz="1600" kern="1200">
+                <a:solidFill>
+                  <a:schemeClr val="tx1"/>
+                </a:solidFill>
+                <a:latin typeface="+mn-lt"/>
+                <a:ea typeface="+mn-ea"/>
+                <a:cs typeface="+mn-cs"/>
+              </a:defRPr>
+            </a:lvl9pPr>
+          </a:lstStyle>
+          <a:p>
+            <a:pPr marL="0" indent="0">
+              <a:buNone/>
+            </a:pPr>
+            <a:r>
+              <a:rPr lang="en-US" sz="3200" b="1" dirty="0" err="1" smtClean="0">
+                <a:solidFill>
+                  <a:srgbClr val="92D050"/>
+                </a:solidFill>
+              </a:rPr>
+              <a:t>Pseudocode</a:t>
+            </a:r>
+            <a:r>
+              <a:rPr lang="en-US" dirty="0" smtClean="0">
+                <a:solidFill>
+                  <a:srgbClr val="92D050"/>
+                </a:solidFill>
+              </a:rPr>
+              <a:t>:</a:t>
+            </a:r>
+            <a:endParaRPr lang="en-US" dirty="0">
+              <a:solidFill>
+                <a:srgbClr val="92D050"/>
+              </a:solidFill>
+            </a:endParaRPr>
+          </a:p>
+        </p:txBody>
+      </p:sp>
+      <p:sp>
+        <p:nvSpPr>
+          <p:cNvPr id="9" name="TextBox 8"/>
+          <p:cNvSpPr txBox="1"/>
+          <p:nvPr/>
+        </p:nvSpPr>
+        <p:spPr>
+          <a:xfrm>
+            <a:off x="6631238" y="2146891"/>
+            <a:ext cx="5168843" cy="2419124"/>
+          </a:xfrm>
+          <a:prstGeom prst="rect">
+            <a:avLst/>
+          </a:prstGeom>
+          <a:noFill/>
+        </p:spPr>
+        <p:txBody>
+          <a:bodyPr wrap="square" rtlCol="0">
+            <a:spAutoFit/>
+          </a:bodyPr>
+          <a:lstStyle/>
+          <a:p>
+            <a:pPr marL="457200" indent="-457200">
+              <a:lnSpc>
+                <a:spcPct val="90000"/>
+              </a:lnSpc>
+              <a:buFont typeface="+mj-lt"/>
+              <a:buAutoNum type="arabicPeriod"/>
+            </a:pPr>
+            <a:r>
+              <a:rPr lang="en-US" sz="2400" dirty="0"/>
+              <a:t>Generate a lattice</a:t>
+            </a:r>
+          </a:p>
+          <a:p>
+            <a:pPr marL="457200" indent="-457200">
+              <a:lnSpc>
+                <a:spcPct val="90000"/>
+              </a:lnSpc>
+              <a:buFont typeface="+mj-lt"/>
+              <a:buAutoNum type="arabicPeriod"/>
+            </a:pPr>
+            <a:r>
+              <a:rPr lang="en-US" sz="2400" dirty="0"/>
+              <a:t>Populate a site, call it a cluster</a:t>
+            </a:r>
+          </a:p>
+          <a:p>
+            <a:pPr marL="457200" indent="-457200">
+              <a:lnSpc>
+                <a:spcPct val="90000"/>
+              </a:lnSpc>
+              <a:buFont typeface="+mj-lt"/>
+              <a:buAutoNum type="arabicPeriod"/>
+            </a:pPr>
+            <a:r>
+              <a:rPr lang="en-US" sz="2400" dirty="0"/>
+              <a:t>If the site touches a different cluster, define the 2 (or more) clusters to be the same cluster</a:t>
+            </a:r>
+          </a:p>
+          <a:p>
+            <a:pPr marL="457200" indent="-457200">
+              <a:lnSpc>
+                <a:spcPct val="90000"/>
+              </a:lnSpc>
+              <a:buFont typeface="+mj-lt"/>
+              <a:buAutoNum type="arabicPeriod"/>
+            </a:pPr>
+            <a:r>
+              <a:rPr lang="en-US" sz="2400" dirty="0"/>
+              <a:t>Repeat until the same cluster touches all sides</a:t>
+            </a:r>
+          </a:p>
+        </p:txBody>
+      </p:sp>
     </p:spTree>
     <p:extLst>
       <p:ext uri="{BB962C8B-B14F-4D97-AF65-F5344CB8AC3E}">
@@ -5957,6 +6766,13 @@
       </p:transition>
     </mc:Fallback>
   </mc:AlternateContent>
+  <p:timing>
+    <p:tnLst>
+      <p:par>
+        <p:cTn id="1" dur="indefinite" restart="never" nodeType="tmRoot"/>
+      </p:par>
+    </p:tnLst>
+  </p:timing>
 </p:sld>
 </file>
 
@@ -5993,6 +6809,95 @@
           <a:lstStyle/>
           <a:p>
             <a:r>
+              <a:rPr lang="en-US" dirty="0" smtClean="0"/>
+              <a:t>Time to run</a:t>
+            </a:r>
+            <a:endParaRPr lang="en-US" dirty="0"/>
+          </a:p>
+        </p:txBody>
+      </p:sp>
+      <p:sp>
+        <p:nvSpPr>
+          <p:cNvPr id="3" name="Content Placeholder 2"/>
+          <p:cNvSpPr>
+            <a:spLocks noGrp="1"/>
+          </p:cNvSpPr>
+          <p:nvPr>
+            <p:ph idx="1"/>
+          </p:nvPr>
+        </p:nvSpPr>
+        <p:spPr>
+          <a:xfrm>
+            <a:off x="1522876" y="2362200"/>
+            <a:ext cx="9143538" cy="4114800"/>
+          </a:xfrm>
+        </p:spPr>
+        <p:txBody>
+          <a:bodyPr/>
+          <a:lstStyle/>
+          <a:p>
+            <a:endParaRPr lang="en-US"/>
+          </a:p>
+        </p:txBody>
+      </p:sp>
+    </p:spTree>
+    <p:extLst>
+      <p:ext uri="{BB962C8B-B14F-4D97-AF65-F5344CB8AC3E}">
+        <p14:creationId xmlns:p14="http://schemas.microsoft.com/office/powerpoint/2010/main" val="9607621"/>
+      </p:ext>
+    </p:extLst>
+  </p:cSld>
+  <p:clrMapOvr>
+    <a:masterClrMapping/>
+  </p:clrMapOvr>
+  <mc:AlternateContent xmlns:mc="http://schemas.openxmlformats.org/markup-compatibility/2006" xmlns:p14="http://schemas.microsoft.com/office/powerpoint/2010/main">
+    <mc:Choice Requires="p14">
+      <p:transition spd="med" p14:dur="700">
+        <p:fade/>
+      </p:transition>
+    </mc:Choice>
+    <mc:Fallback xmlns="">
+      <p:transition spd="med">
+        <p:fade/>
+      </p:transition>
+    </mc:Fallback>
+  </mc:AlternateContent>
+</p:sld>
+</file>
+
+<file path=ppt/slides/slide7.xml><?xml version="1.0" encoding="utf-8"?>
+<p:sld xmlns:a="http://schemas.openxmlformats.org/drawingml/2006/main" xmlns:r="http://schemas.openxmlformats.org/officeDocument/2006/relationships" xmlns:p="http://schemas.openxmlformats.org/presentationml/2006/main">
+  <p:cSld>
+    <p:spTree>
+      <p:nvGrpSpPr>
+        <p:cNvPr id="1" name=""/>
+        <p:cNvGrpSpPr/>
+        <p:nvPr/>
+      </p:nvGrpSpPr>
+      <p:grpSpPr>
+        <a:xfrm>
+          <a:off x="0" y="0"/>
+          <a:ext cx="0" cy="0"/>
+          <a:chOff x="0" y="0"/>
+          <a:chExt cx="0" cy="0"/>
+        </a:xfrm>
+      </p:grpSpPr>
+      <p:sp>
+        <p:nvSpPr>
+          <p:cNvPr id="2" name="Title 1"/>
+          <p:cNvSpPr>
+            <a:spLocks noGrp="1"/>
+          </p:cNvSpPr>
+          <p:nvPr>
+            <p:ph type="title"/>
+          </p:nvPr>
+        </p:nvSpPr>
+        <p:spPr/>
+        <p:txBody>
+          <a:bodyPr/>
+          <a:lstStyle/>
+          <a:p>
+            <a:r>
               <a:rPr lang="en-US" dirty="0"/>
               <a:t>Cluster Building</a:t>
             </a:r>
@@ -6025,8 +6930,13 @@
           <a:p>
             <a:r>
               <a:rPr lang="en-US" dirty="0"/>
-              <a:t>Snapshots taken at various steps</a:t>
-            </a:r>
+              <a:t>Snapshots taken at </a:t>
+            </a:r>
+            <a:r>
+              <a:rPr lang="en-US" dirty="0" smtClean="0"/>
+              <a:t>equally spaced steps</a:t>
+            </a:r>
+            <a:endParaRPr lang="en-US" dirty="0"/>
           </a:p>
         </p:txBody>
       </p:sp>
@@ -6082,10 +6992,17 @@
       </p:transition>
     </mc:Fallback>
   </mc:AlternateContent>
+  <p:timing>
+    <p:tnLst>
+      <p:par>
+        <p:cTn id="1" dur="indefinite" restart="never" nodeType="tmRoot"/>
+      </p:par>
+    </p:tnLst>
+  </p:timing>
 </p:sld>
 </file>
 
-<file path=ppt/slides/slide7.xml><?xml version="1.0" encoding="utf-8"?>
+<file path=ppt/slides/slide8.xml><?xml version="1.0" encoding="utf-8"?>
 <p:sld xmlns:a="http://schemas.openxmlformats.org/drawingml/2006/main" xmlns:r="http://schemas.openxmlformats.org/officeDocument/2006/relationships" xmlns:p="http://schemas.openxmlformats.org/presentationml/2006/main">
   <p:cSld>
     <p:spTree>
@@ -6146,345 +7063,13 @@
       </p:transition>
     </mc:Fallback>
   </mc:AlternateContent>
-</p:sld>
-</file>
-
-<file path=ppt/slides/slide8.xml><?xml version="1.0" encoding="utf-8"?>
-<p:sld xmlns:a="http://schemas.openxmlformats.org/drawingml/2006/main" xmlns:r="http://schemas.openxmlformats.org/officeDocument/2006/relationships" xmlns:p="http://schemas.openxmlformats.org/presentationml/2006/main">
-  <p:cSld>
-    <p:spTree>
-      <p:nvGrpSpPr>
-        <p:cNvPr id="1" name=""/>
-        <p:cNvGrpSpPr/>
-        <p:nvPr/>
-      </p:nvGrpSpPr>
-      <p:grpSpPr>
-        <a:xfrm>
-          <a:off x="0" y="0"/>
-          <a:ext cx="0" cy="0"/>
-          <a:chOff x="0" y="0"/>
-          <a:chExt cx="0" cy="0"/>
-        </a:xfrm>
-      </p:grpSpPr>
-      <p:sp>
-        <p:nvSpPr>
-          <p:cNvPr id="2" name="Title 1"/>
-          <p:cNvSpPr>
-            <a:spLocks noGrp="1"/>
-          </p:cNvSpPr>
-          <p:nvPr>
-            <p:ph type="title"/>
-          </p:nvPr>
-        </p:nvSpPr>
-        <p:spPr>
-          <a:xfrm>
-            <a:off x="925569" y="609600"/>
-            <a:ext cx="9740845" cy="1066800"/>
-          </a:xfrm>
-        </p:spPr>
-        <p:txBody>
-          <a:bodyPr/>
-          <a:lstStyle/>
-          <a:p>
-            <a:r>
-              <a:rPr lang="en-US" dirty="0"/>
-              <a:t>Modeling Percolation Computationally</a:t>
-            </a:r>
-          </a:p>
-        </p:txBody>
-      </p:sp>
-      <p:sp>
-        <p:nvSpPr>
-          <p:cNvPr id="5" name="Text Placeholder 4"/>
-          <p:cNvSpPr>
-            <a:spLocks noGrp="1"/>
-          </p:cNvSpPr>
-          <p:nvPr>
-            <p:ph type="body" sz="quarter" idx="3"/>
-          </p:nvPr>
-        </p:nvSpPr>
-        <p:spPr>
-          <a:xfrm>
-            <a:off x="928488" y="1676400"/>
-            <a:ext cx="4876801" cy="685801"/>
-          </a:xfrm>
-        </p:spPr>
-        <p:txBody>
-          <a:bodyPr/>
-          <a:lstStyle/>
-          <a:p>
-            <a:r>
-              <a:rPr lang="en-US" dirty="0"/>
-              <a:t>Pseudocode:</a:t>
-            </a:r>
-          </a:p>
-        </p:txBody>
-      </p:sp>
-      <p:sp>
-        <p:nvSpPr>
-          <p:cNvPr id="9" name="TextBox 8"/>
-          <p:cNvSpPr txBox="1"/>
-          <p:nvPr/>
-        </p:nvSpPr>
-        <p:spPr>
-          <a:xfrm>
-            <a:off x="6627812" y="2514601"/>
-            <a:ext cx="5168843" cy="1754326"/>
-          </a:xfrm>
-          <a:prstGeom prst="rect">
-            <a:avLst/>
-          </a:prstGeom>
-          <a:noFill/>
-        </p:spPr>
-        <p:txBody>
-          <a:bodyPr wrap="square" rtlCol="0">
-            <a:spAutoFit/>
-          </a:bodyPr>
-          <a:lstStyle/>
-          <a:p>
-            <a:pPr>
-              <a:lnSpc>
-                <a:spcPct val="90000"/>
-              </a:lnSpc>
-            </a:pPr>
-            <a:r>
-              <a:rPr lang="en-US" sz="2400" dirty="0"/>
-              <a:t>Probability</a:t>
-            </a:r>
-          </a:p>
-          <a:p>
-            <a:pPr>
-              <a:lnSpc>
-                <a:spcPct val="90000"/>
-              </a:lnSpc>
-            </a:pPr>
-            <a:endParaRPr lang="en-US" sz="2400" dirty="0"/>
-          </a:p>
-          <a:p>
-            <a:pPr>
-              <a:lnSpc>
-                <a:spcPct val="90000"/>
-              </a:lnSpc>
-            </a:pPr>
-            <a:endParaRPr lang="en-US" sz="2400" dirty="0"/>
-          </a:p>
-          <a:p>
-            <a:pPr>
-              <a:lnSpc>
-                <a:spcPct val="90000"/>
-              </a:lnSpc>
-            </a:pPr>
-            <a:endParaRPr lang="en-US" sz="2400" dirty="0"/>
-          </a:p>
-          <a:p>
-            <a:pPr>
-              <a:lnSpc>
-                <a:spcPct val="90000"/>
-              </a:lnSpc>
-            </a:pPr>
-            <a:r>
-              <a:rPr lang="en-US" sz="2400" dirty="0"/>
-              <a:t>Spanning Fraction</a:t>
-            </a:r>
-          </a:p>
-        </p:txBody>
-      </p:sp>
-      <p:sp>
-        <p:nvSpPr>
-          <p:cNvPr id="17" name="Text Placeholder 4"/>
-          <p:cNvSpPr>
-            <a:spLocks noGrp="1"/>
-          </p:cNvSpPr>
-          <p:nvPr>
-            <p:ph type="body" sz="quarter" idx="3"/>
-          </p:nvPr>
-        </p:nvSpPr>
-        <p:spPr>
-          <a:xfrm>
-            <a:off x="6627812" y="1676399"/>
-            <a:ext cx="4876801" cy="685801"/>
-          </a:xfrm>
-        </p:spPr>
-        <p:txBody>
-          <a:bodyPr/>
-          <a:lstStyle/>
-          <a:p>
-            <a:r>
-              <a:rPr lang="en-US" dirty="0"/>
-              <a:t>Parameters to Track:</a:t>
-            </a:r>
-          </a:p>
-        </p:txBody>
-      </p:sp>
-      <p:sp>
-        <p:nvSpPr>
-          <p:cNvPr id="18" name="TextBox 17"/>
-          <p:cNvSpPr txBox="1"/>
-          <p:nvPr/>
-        </p:nvSpPr>
-        <p:spPr>
-          <a:xfrm>
-            <a:off x="1077969" y="2514601"/>
-            <a:ext cx="5168843" cy="2419124"/>
-          </a:xfrm>
-          <a:prstGeom prst="rect">
-            <a:avLst/>
-          </a:prstGeom>
-          <a:noFill/>
-        </p:spPr>
-        <p:txBody>
-          <a:bodyPr wrap="square" rtlCol="0">
-            <a:spAutoFit/>
-          </a:bodyPr>
-          <a:lstStyle/>
-          <a:p>
-            <a:pPr marL="457200" indent="-457200">
-              <a:lnSpc>
-                <a:spcPct val="90000"/>
-              </a:lnSpc>
-              <a:buFont typeface="+mj-lt"/>
-              <a:buAutoNum type="arabicPeriod"/>
-            </a:pPr>
-            <a:r>
-              <a:rPr lang="en-US" sz="2400" dirty="0"/>
-              <a:t>Generate a lattice</a:t>
-            </a:r>
-          </a:p>
-          <a:p>
-            <a:pPr marL="457200" indent="-457200">
-              <a:lnSpc>
-                <a:spcPct val="90000"/>
-              </a:lnSpc>
-              <a:buFont typeface="+mj-lt"/>
-              <a:buAutoNum type="arabicPeriod"/>
-            </a:pPr>
-            <a:r>
-              <a:rPr lang="en-US" sz="2400" dirty="0"/>
-              <a:t>Populate a site, call it a cluster</a:t>
-            </a:r>
-          </a:p>
-          <a:p>
-            <a:pPr marL="457200" indent="-457200">
-              <a:lnSpc>
-                <a:spcPct val="90000"/>
-              </a:lnSpc>
-              <a:buFont typeface="+mj-lt"/>
-              <a:buAutoNum type="arabicPeriod"/>
-            </a:pPr>
-            <a:r>
-              <a:rPr lang="en-US" sz="2400" dirty="0"/>
-              <a:t>If the site touches a different cluster, define the 2 (or more) clusters to be the same cluster</a:t>
-            </a:r>
-          </a:p>
-          <a:p>
-            <a:pPr marL="457200" indent="-457200">
-              <a:lnSpc>
-                <a:spcPct val="90000"/>
-              </a:lnSpc>
-              <a:buFont typeface="+mj-lt"/>
-              <a:buAutoNum type="arabicPeriod"/>
-            </a:pPr>
-            <a:r>
-              <a:rPr lang="en-US" sz="2400" dirty="0"/>
-              <a:t>Repeat until the same cluster touches all sides</a:t>
-            </a:r>
-          </a:p>
-        </p:txBody>
-      </p:sp>
-      <p:pic>
-        <p:nvPicPr>
-          <p:cNvPr id="19" name="Picture 18"/>
-          <p:cNvPicPr>
-            <a:picLocks noChangeAspect="1"/>
-          </p:cNvPicPr>
-          <p:nvPr/>
-        </p:nvPicPr>
-        <p:blipFill>
-          <a:blip r:embed="rId3"/>
-          <a:stretch>
-            <a:fillRect/>
-          </a:stretch>
-        </p:blipFill>
-        <p:spPr>
-          <a:xfrm>
-            <a:off x="7260671" y="4457150"/>
-            <a:ext cx="1924050" cy="447675"/>
-          </a:xfrm>
-          <a:prstGeom prst="rect">
-            <a:avLst/>
-          </a:prstGeom>
-        </p:spPr>
-      </p:pic>
-      <p:pic>
-        <p:nvPicPr>
-          <p:cNvPr id="20" name="Picture 19"/>
-          <p:cNvPicPr>
-            <a:picLocks noChangeAspect="1"/>
-          </p:cNvPicPr>
-          <p:nvPr/>
-        </p:nvPicPr>
-        <p:blipFill>
-          <a:blip r:embed="rId4"/>
-          <a:stretch>
-            <a:fillRect/>
-          </a:stretch>
-        </p:blipFill>
-        <p:spPr>
-          <a:xfrm>
-            <a:off x="6932612" y="2969901"/>
-            <a:ext cx="3543300" cy="742950"/>
-          </a:xfrm>
-          <a:prstGeom prst="rect">
-            <a:avLst/>
-          </a:prstGeom>
-        </p:spPr>
-      </p:pic>
-      <p:pic>
-        <p:nvPicPr>
-          <p:cNvPr id="21" name="Picture 20"/>
-          <p:cNvPicPr>
-            <a:picLocks noChangeAspect="1"/>
-          </p:cNvPicPr>
-          <p:nvPr/>
-        </p:nvPicPr>
-        <p:blipFill>
-          <a:blip r:embed="rId5"/>
-          <a:stretch>
-            <a:fillRect/>
-          </a:stretch>
-        </p:blipFill>
-        <p:spPr>
-          <a:xfrm>
-            <a:off x="7156482" y="4883615"/>
-            <a:ext cx="3314700" cy="847725"/>
-          </a:xfrm>
-          <a:prstGeom prst="rect">
-            <a:avLst/>
-          </a:prstGeom>
-        </p:spPr>
-      </p:pic>
-    </p:spTree>
-    <p:extLst>
-      <p:ext uri="{BB962C8B-B14F-4D97-AF65-F5344CB8AC3E}">
-        <p14:creationId xmlns:p14="http://schemas.microsoft.com/office/powerpoint/2010/main" val="3264840096"/>
-      </p:ext>
-    </p:extLst>
-  </p:cSld>
-  <p:clrMapOvr>
-    <a:masterClrMapping/>
-  </p:clrMapOvr>
-  <mc:AlternateContent xmlns:mc="http://schemas.openxmlformats.org/markup-compatibility/2006" xmlns:p14="http://schemas.microsoft.com/office/powerpoint/2010/main">
-    <mc:Choice Requires="p14">
-      <p:transition spd="med" p14:dur="700">
-        <p:fade/>
-      </p:transition>
-    </mc:Choice>
-    <mc:Fallback xmlns="">
-      <p:transition spd="med">
-        <p:fade/>
-      </p:transition>
-    </mc:Fallback>
-  </mc:AlternateContent>
+  <p:timing>
+    <p:tnLst>
+      <p:par>
+        <p:cTn id="1" dur="indefinite" restart="never" nodeType="tmRoot"/>
+      </p:par>
+    </p:tnLst>
+  </p:timing>
 </p:sld>
 </file>
 
@@ -6505,67 +7090,447 @@
           <a:chExt cx="0" cy="0"/>
         </a:xfrm>
       </p:grpSpPr>
-      <p:sp>
-        <p:nvSpPr>
-          <p:cNvPr id="2" name="Title 1"/>
-          <p:cNvSpPr>
-            <a:spLocks noGrp="1"/>
-          </p:cNvSpPr>
-          <p:nvPr>
-            <p:ph type="title"/>
-          </p:nvPr>
-        </p:nvSpPr>
-        <p:spPr/>
-        <p:txBody>
-          <a:bodyPr/>
+      <p:pic>
+        <p:nvPicPr>
+          <p:cNvPr id="4" name="Picture 3"/>
+          <p:cNvPicPr>
+            <a:picLocks noChangeAspect="1"/>
+          </p:cNvPicPr>
+          <p:nvPr/>
+        </p:nvPicPr>
+        <p:blipFill>
+          <a:blip r:embed="rId2">
+            <a:extLst>
+              <a:ext uri="{28A0092B-C50C-407E-A947-70E740481C1C}">
+                <a14:useLocalDpi xmlns:a14="http://schemas.microsoft.com/office/drawing/2010/main" val="0"/>
+              </a:ext>
+            </a:extLst>
+          </a:blip>
+          <a:stretch>
+            <a:fillRect/>
+          </a:stretch>
+        </p:blipFill>
+        <p:spPr>
+          <a:xfrm>
+            <a:off x="116265" y="723900"/>
+            <a:ext cx="7213600" cy="5410200"/>
+          </a:xfrm>
+          <a:prstGeom prst="rect">
+            <a:avLst/>
+          </a:prstGeom>
+        </p:spPr>
+      </p:pic>
+      <p:sp>
+        <p:nvSpPr>
+          <p:cNvPr id="3" name="Text Placeholder 2"/>
+          <p:cNvSpPr>
+            <a:spLocks noGrp="1"/>
+          </p:cNvSpPr>
+          <p:nvPr>
+            <p:ph type="body" idx="1"/>
+          </p:nvPr>
+        </p:nvSpPr>
+        <p:spPr>
+          <a:xfrm>
+            <a:off x="7329865" y="1143000"/>
+            <a:ext cx="5307090" cy="1143000"/>
+          </a:xfrm>
+        </p:spPr>
+        <p:txBody>
+          <a:bodyPr>
+            <a:normAutofit/>
+          </a:bodyPr>
           <a:lstStyle/>
           <a:p>
-            <a:endParaRPr lang="en-US" dirty="0"/>
-          </a:p>
-        </p:txBody>
-      </p:sp>
-      <p:sp>
-        <p:nvSpPr>
-          <p:cNvPr id="4" name="Text Placeholder 3"/>
-          <p:cNvSpPr>
-            <a:spLocks noGrp="1"/>
-          </p:cNvSpPr>
-          <p:nvPr>
-            <p:ph type="body" sz="half" idx="2"/>
-          </p:nvPr>
-        </p:nvSpPr>
-        <p:spPr/>
-        <p:txBody>
-          <a:bodyPr/>
-          <a:lstStyle/>
-          <a:p>
-            <a:endParaRPr lang="en-US" dirty="0"/>
-          </a:p>
-        </p:txBody>
-      </p:sp>
-      <p:sp>
-        <p:nvSpPr>
-          <p:cNvPr id="6" name="Content Placeholder 5"/>
-          <p:cNvSpPr>
-            <a:spLocks noGrp="1"/>
-          </p:cNvSpPr>
-          <p:nvPr>
-            <p:ph idx="1"/>
-          </p:nvPr>
-        </p:nvSpPr>
-        <p:spPr/>
-        <p:txBody>
-          <a:bodyPr/>
-          <a:lstStyle/>
-          <a:p>
-            <a:endParaRPr lang="en-US"/>
-          </a:p>
-        </p:txBody>
-      </p:sp>
+            <a:r>
+              <a:rPr lang="en-US" sz="2800" b="1" dirty="0" smtClean="0"/>
+              <a:t>Occupation probability:</a:t>
+            </a:r>
+            <a:endParaRPr lang="en-US" sz="2800" b="1" dirty="0"/>
+          </a:p>
+        </p:txBody>
+      </p:sp>
+      <p:pic>
+        <p:nvPicPr>
+          <p:cNvPr id="5" name="Picture 4"/>
+          <p:cNvPicPr>
+            <a:picLocks noChangeAspect="1"/>
+          </p:cNvPicPr>
+          <p:nvPr/>
+        </p:nvPicPr>
+        <p:blipFill>
+          <a:blip r:embed="rId3"/>
+          <a:stretch>
+            <a:fillRect/>
+          </a:stretch>
+        </p:blipFill>
+        <p:spPr>
+          <a:xfrm>
+            <a:off x="7767077" y="1914525"/>
+            <a:ext cx="3543300" cy="742950"/>
+          </a:xfrm>
+          <a:prstGeom prst="rect">
+            <a:avLst/>
+          </a:prstGeom>
+        </p:spPr>
+      </p:pic>
+      <mc:AlternateContent xmlns:mc="http://schemas.openxmlformats.org/markup-compatibility/2006">
+        <mc:Choice xmlns:a14="http://schemas.microsoft.com/office/drawing/2010/main" Requires="a14">
+          <p:sp>
+            <p:nvSpPr>
+              <p:cNvPr id="6" name="Text Placeholder 2"/>
+              <p:cNvSpPr txBox="1">
+                <a:spLocks/>
+              </p:cNvSpPr>
+              <p:nvPr/>
+            </p:nvSpPr>
+            <p:spPr>
+              <a:xfrm>
+                <a:off x="7483988" y="3268991"/>
+                <a:ext cx="5002290" cy="1638300"/>
+              </a:xfrm>
+              <a:prstGeom prst="rect">
+                <a:avLst/>
+              </a:prstGeom>
+            </p:spPr>
+            <p:txBody>
+              <a:bodyPr vert="horz" lIns="91440" tIns="45720" rIns="91440" bIns="45720" rtlCol="0" anchor="t">
+                <a:normAutofit fontScale="92500" lnSpcReduction="20000"/>
+              </a:bodyPr>
+              <a:lstStyle>
+                <a:lvl1pPr marL="0" indent="0" algn="l" defTabSz="914400" rtl="0" eaLnBrk="1" latinLnBrk="0" hangingPunct="1">
+                  <a:lnSpc>
+                    <a:spcPct val="90000"/>
+                  </a:lnSpc>
+                  <a:spcBef>
+                    <a:spcPts val="0"/>
+                  </a:spcBef>
+                  <a:buClr>
+                    <a:schemeClr val="tx1"/>
+                  </a:buClr>
+                  <a:buSzPct val="100000"/>
+                  <a:buFont typeface="Arial" pitchFamily="34" charset="0"/>
+                  <a:buNone/>
+                  <a:defRPr sz="2400" kern="1200">
+                    <a:solidFill>
+                      <a:schemeClr val="tx1"/>
+                    </a:solidFill>
+                    <a:latin typeface="+mn-lt"/>
+                    <a:ea typeface="+mn-ea"/>
+                    <a:cs typeface="+mn-cs"/>
+                  </a:defRPr>
+                </a:lvl1pPr>
+                <a:lvl2pPr marL="457200" indent="0" algn="l" defTabSz="914400" rtl="0" eaLnBrk="1" latinLnBrk="0" hangingPunct="1">
+                  <a:lnSpc>
+                    <a:spcPct val="90000"/>
+                  </a:lnSpc>
+                  <a:spcBef>
+                    <a:spcPts val="1000"/>
+                  </a:spcBef>
+                  <a:buClr>
+                    <a:schemeClr val="tx1"/>
+                  </a:buClr>
+                  <a:buSzPct val="100000"/>
+                  <a:buFont typeface="Arial" pitchFamily="34" charset="0"/>
+                  <a:buNone/>
+                  <a:defRPr sz="1800" kern="1200">
+                    <a:solidFill>
+                      <a:schemeClr val="tx1">
+                        <a:tint val="75000"/>
+                      </a:schemeClr>
+                    </a:solidFill>
+                    <a:latin typeface="+mn-lt"/>
+                    <a:ea typeface="+mn-ea"/>
+                    <a:cs typeface="+mn-cs"/>
+                  </a:defRPr>
+                </a:lvl2pPr>
+                <a:lvl3pPr marL="914400" indent="0" algn="l" defTabSz="914400" rtl="0" eaLnBrk="1" latinLnBrk="0" hangingPunct="1">
+                  <a:lnSpc>
+                    <a:spcPct val="90000"/>
+                  </a:lnSpc>
+                  <a:spcBef>
+                    <a:spcPts val="800"/>
+                  </a:spcBef>
+                  <a:buClr>
+                    <a:schemeClr val="tx1"/>
+                  </a:buClr>
+                  <a:buSzPct val="100000"/>
+                  <a:buFont typeface="Arial" pitchFamily="34" charset="0"/>
+                  <a:buNone/>
+                  <a:defRPr sz="1600" kern="1200">
+                    <a:solidFill>
+                      <a:schemeClr val="tx1">
+                        <a:tint val="75000"/>
+                      </a:schemeClr>
+                    </a:solidFill>
+                    <a:latin typeface="+mn-lt"/>
+                    <a:ea typeface="+mn-ea"/>
+                    <a:cs typeface="+mn-cs"/>
+                  </a:defRPr>
+                </a:lvl3pPr>
+                <a:lvl4pPr marL="1371600" indent="0" algn="l" defTabSz="914400" rtl="0" eaLnBrk="1" latinLnBrk="0" hangingPunct="1">
+                  <a:lnSpc>
+                    <a:spcPct val="90000"/>
+                  </a:lnSpc>
+                  <a:spcBef>
+                    <a:spcPts val="800"/>
+                  </a:spcBef>
+                  <a:buClr>
+                    <a:schemeClr val="tx1"/>
+                  </a:buClr>
+                  <a:buSzPct val="100000"/>
+                  <a:buFont typeface="Arial" pitchFamily="34" charset="0"/>
+                  <a:buNone/>
+                  <a:defRPr sz="1400" kern="1200">
+                    <a:solidFill>
+                      <a:schemeClr val="tx1">
+                        <a:tint val="75000"/>
+                      </a:schemeClr>
+                    </a:solidFill>
+                    <a:latin typeface="+mn-lt"/>
+                    <a:ea typeface="+mn-ea"/>
+                    <a:cs typeface="+mn-cs"/>
+                  </a:defRPr>
+                </a:lvl4pPr>
+                <a:lvl5pPr marL="1828800" indent="0" algn="l" defTabSz="914400" rtl="0" eaLnBrk="1" latinLnBrk="0" hangingPunct="1">
+                  <a:lnSpc>
+                    <a:spcPct val="90000"/>
+                  </a:lnSpc>
+                  <a:spcBef>
+                    <a:spcPts val="800"/>
+                  </a:spcBef>
+                  <a:buClr>
+                    <a:schemeClr val="tx1"/>
+                  </a:buClr>
+                  <a:buSzPct val="100000"/>
+                  <a:buFont typeface="Arial" pitchFamily="34" charset="0"/>
+                  <a:buNone/>
+                  <a:defRPr sz="1400" kern="1200">
+                    <a:solidFill>
+                      <a:schemeClr val="tx1">
+                        <a:tint val="75000"/>
+                      </a:schemeClr>
+                    </a:solidFill>
+                    <a:latin typeface="+mn-lt"/>
+                    <a:ea typeface="+mn-ea"/>
+                    <a:cs typeface="+mn-cs"/>
+                  </a:defRPr>
+                </a:lvl5pPr>
+                <a:lvl6pPr marL="2286000" indent="0" algn="l" defTabSz="914400" rtl="0" eaLnBrk="1" latinLnBrk="0" hangingPunct="1">
+                  <a:lnSpc>
+                    <a:spcPct val="90000"/>
+                  </a:lnSpc>
+                  <a:spcBef>
+                    <a:spcPts val="800"/>
+                  </a:spcBef>
+                  <a:buClr>
+                    <a:schemeClr val="tx1"/>
+                  </a:buClr>
+                  <a:buSzPct val="100000"/>
+                  <a:buFont typeface="Arial" pitchFamily="34" charset="0"/>
+                  <a:buNone/>
+                  <a:defRPr sz="1400" kern="1200">
+                    <a:solidFill>
+                      <a:schemeClr val="tx1">
+                        <a:tint val="75000"/>
+                      </a:schemeClr>
+                    </a:solidFill>
+                    <a:latin typeface="+mn-lt"/>
+                    <a:ea typeface="+mn-ea"/>
+                    <a:cs typeface="+mn-cs"/>
+                  </a:defRPr>
+                </a:lvl6pPr>
+                <a:lvl7pPr marL="2743200" indent="0" algn="l" defTabSz="914400" rtl="0" eaLnBrk="1" latinLnBrk="0" hangingPunct="1">
+                  <a:lnSpc>
+                    <a:spcPct val="90000"/>
+                  </a:lnSpc>
+                  <a:spcBef>
+                    <a:spcPts val="800"/>
+                  </a:spcBef>
+                  <a:buClr>
+                    <a:schemeClr val="tx1"/>
+                  </a:buClr>
+                  <a:buSzPct val="100000"/>
+                  <a:buFont typeface="Arial" pitchFamily="34" charset="0"/>
+                  <a:buNone/>
+                  <a:defRPr sz="1400" kern="1200">
+                    <a:solidFill>
+                      <a:schemeClr val="tx1">
+                        <a:tint val="75000"/>
+                      </a:schemeClr>
+                    </a:solidFill>
+                    <a:latin typeface="+mn-lt"/>
+                    <a:ea typeface="+mn-ea"/>
+                    <a:cs typeface="+mn-cs"/>
+                  </a:defRPr>
+                </a:lvl7pPr>
+                <a:lvl8pPr marL="3200400" indent="0" algn="l" defTabSz="914400" rtl="0" eaLnBrk="1" latinLnBrk="0" hangingPunct="1">
+                  <a:lnSpc>
+                    <a:spcPct val="90000"/>
+                  </a:lnSpc>
+                  <a:spcBef>
+                    <a:spcPts val="800"/>
+                  </a:spcBef>
+                  <a:buClr>
+                    <a:schemeClr val="tx1"/>
+                  </a:buClr>
+                  <a:buSzPct val="100000"/>
+                  <a:buFont typeface="Arial" pitchFamily="34" charset="0"/>
+                  <a:buNone/>
+                  <a:defRPr sz="1400" kern="1200">
+                    <a:solidFill>
+                      <a:schemeClr val="tx1">
+                        <a:tint val="75000"/>
+                      </a:schemeClr>
+                    </a:solidFill>
+                    <a:latin typeface="+mn-lt"/>
+                    <a:ea typeface="+mn-ea"/>
+                    <a:cs typeface="+mn-cs"/>
+                  </a:defRPr>
+                </a:lvl8pPr>
+                <a:lvl9pPr marL="3657600" indent="0" algn="l" defTabSz="914400" rtl="0" eaLnBrk="1" latinLnBrk="0" hangingPunct="1">
+                  <a:lnSpc>
+                    <a:spcPct val="90000"/>
+                  </a:lnSpc>
+                  <a:spcBef>
+                    <a:spcPts val="800"/>
+                  </a:spcBef>
+                  <a:buClr>
+                    <a:schemeClr val="tx1"/>
+                  </a:buClr>
+                  <a:buSzPct val="100000"/>
+                  <a:buFont typeface="Arial" pitchFamily="34" charset="0"/>
+                  <a:buNone/>
+                  <a:defRPr sz="1400" kern="1200">
+                    <a:solidFill>
+                      <a:schemeClr val="tx1">
+                        <a:tint val="75000"/>
+                      </a:schemeClr>
+                    </a:solidFill>
+                    <a:latin typeface="+mn-lt"/>
+                    <a:ea typeface="+mn-ea"/>
+                    <a:cs typeface="+mn-cs"/>
+                  </a:defRPr>
+                </a:lvl9pPr>
+              </a:lstStyle>
+              <a:p>
+                <a:r>
+                  <a:rPr lang="en-US" sz="2800" b="1" dirty="0" smtClean="0"/>
+                  <a:t>Critical probability:</a:t>
+                </a:r>
+              </a:p>
+              <a:p>
+                <a:endParaRPr lang="en-US" sz="2800" b="1" dirty="0" smtClean="0"/>
+              </a:p>
+              <a:p>
+                <a:pPr marL="342900" indent="-342900">
+                  <a:buFont typeface="Arial" charset="0"/>
+                  <a:buChar char="•"/>
+                </a:pPr>
+                <a:r>
+                  <a:rPr lang="en-US" dirty="0" smtClean="0"/>
+                  <a:t>First time spanning cluster appears</a:t>
+                </a:r>
+              </a:p>
+              <a:p>
+                <a:pPr marL="342900" indent="-342900">
+                  <a:buFont typeface="Arial" charset="0"/>
+                  <a:buChar char="•"/>
+                </a:pPr>
+                <a:endParaRPr lang="en-US" dirty="0" smtClean="0"/>
+              </a:p>
+              <a:p>
+                <a:pPr marL="342900" indent="-342900">
+                  <a:buFont typeface="Arial" charset="0"/>
+                  <a:buChar char="•"/>
+                </a:pPr>
+                <a:r>
+                  <a:rPr lang="en-US" dirty="0" smtClean="0"/>
+                  <a:t>For infinite lattice: </a:t>
+                </a:r>
+                <a14:m>
+                  <m:oMath xmlns:m="http://schemas.openxmlformats.org/officeDocument/2006/math">
+                    <m:sSub>
+                      <m:sSubPr>
+                        <m:ctrlPr>
+                          <a:rPr lang="en-US" b="0" i="1" smtClean="0">
+                            <a:latin typeface="Cambria Math" charset="0"/>
+                          </a:rPr>
+                        </m:ctrlPr>
+                      </m:sSubPr>
+                      <m:e>
+                        <m:r>
+                          <a:rPr lang="en-US" b="0" i="1" smtClean="0">
+                            <a:latin typeface="Cambria Math" charset="0"/>
+                          </a:rPr>
+                          <m:t>𝑝</m:t>
+                        </m:r>
+                      </m:e>
+                      <m:sub>
+                        <m:r>
+                          <a:rPr lang="en-US" b="0" i="1" smtClean="0">
+                            <a:latin typeface="Cambria Math" charset="0"/>
+                          </a:rPr>
+                          <m:t>𝐶</m:t>
+                        </m:r>
+                      </m:sub>
+                    </m:sSub>
+                    <m:r>
+                      <a:rPr lang="en-US" b="0" i="1" smtClean="0">
+                        <a:latin typeface="Cambria Math" charset="0"/>
+                      </a:rPr>
+                      <m:t>=0.594</m:t>
+                    </m:r>
+                  </m:oMath>
+                </a14:m>
+                <a:endParaRPr lang="en-US" dirty="0"/>
+              </a:p>
+            </p:txBody>
+          </p:sp>
+        </mc:Choice>
+        <mc:Fallback>
+          <p:sp>
+            <p:nvSpPr>
+              <p:cNvPr id="6" name="Text Placeholder 2"/>
+              <p:cNvSpPr txBox="1">
+                <a:spLocks noRot="1" noChangeAspect="1" noMove="1" noResize="1" noEditPoints="1" noAdjustHandles="1" noChangeArrowheads="1" noChangeShapeType="1" noTextEdit="1"/>
+              </p:cNvSpPr>
+              <p:nvPr/>
+            </p:nvSpPr>
+            <p:spPr>
+              <a:xfrm>
+                <a:off x="7483988" y="3268991"/>
+                <a:ext cx="5002290" cy="1638300"/>
+              </a:xfrm>
+              <a:prstGeom prst="rect">
+                <a:avLst/>
+              </a:prstGeom>
+              <a:blipFill rotWithShape="0">
+                <a:blip r:embed="rId4"/>
+                <a:stretch>
+                  <a:fillRect l="-2195" t="-10781" b="-4089"/>
+                </a:stretch>
+              </a:blipFill>
+            </p:spPr>
+            <p:txBody>
+              <a:bodyPr/>
+              <a:lstStyle/>
+              <a:p>
+                <a:r>
+                  <a:rPr lang="en-US">
+                    <a:noFill/>
+                  </a:rPr>
+                  <a:t> </a:t>
+                </a:r>
+              </a:p>
+            </p:txBody>
+          </p:sp>
+        </mc:Fallback>
+      </mc:AlternateContent>
     </p:spTree>
     <p:extLst>
       <p:ext uri="{BB962C8B-B14F-4D97-AF65-F5344CB8AC3E}">
-        <p14:creationId xmlns:p14="http://schemas.microsoft.com/office/powerpoint/2010/main" val="1200765116"/>
+        <p14:creationId xmlns:p14="http://schemas.microsoft.com/office/powerpoint/2010/main" val="1367638422"/>
       </p:ext>
     </p:extLst>
   </p:cSld>

--- a/Percolation/Percolation_Presentation.pptx
+++ b/Percolation/Percolation_Presentation.pptx
@@ -236,7 +236,7 @@
           <a:p>
             <a:fld id="{BEA74EB7-856E-45FD-83F0-5F7C6F3E4372}" type="datetimeFigureOut">
               <a:rPr lang="en-US"/>
-              <a:t>4/13/17</a:t>
+              <a:t>4/13/2017</a:t>
             </a:fld>
             <a:endParaRPr/>
           </a:p>
@@ -401,7 +401,7 @@
           <a:p>
             <a:fld id="{C61B0E40-8125-41F8-BB6C-139D8D531A4F}" type="datetimeFigureOut">
               <a:rPr lang="en-US"/>
-              <a:t>4/13/17</a:t>
+              <a:t>4/13/2017</a:t>
             </a:fld>
             <a:endParaRPr/>
           </a:p>
@@ -1218,7 +1218,7 @@
             <a:fld id="{8E36636D-D922-432D-A958-524484B5923D}" type="datetimeFigureOut">
               <a:rPr lang="en-US"/>
               <a:pPr/>
-              <a:t>4/13/17</a:t>
+              <a:t>4/13/2017</a:t>
             </a:fld>
             <a:endParaRPr/>
           </a:p>
@@ -1418,7 +1418,7 @@
             <a:fld id="{8E36636D-D922-432D-A958-524484B5923D}" type="datetimeFigureOut">
               <a:rPr lang="en-US"/>
               <a:pPr/>
-              <a:t>4/13/17</a:t>
+              <a:t>4/13/2017</a:t>
             </a:fld>
             <a:endParaRPr/>
           </a:p>
@@ -1628,7 +1628,7 @@
             <a:fld id="{8E36636D-D922-432D-A958-524484B5923D}" type="datetimeFigureOut">
               <a:rPr lang="en-US"/>
               <a:pPr/>
-              <a:t>4/13/17</a:t>
+              <a:t>4/13/2017</a:t>
             </a:fld>
             <a:endParaRPr/>
           </a:p>
@@ -1818,7 +1818,7 @@
             <a:fld id="{8E36636D-D922-432D-A958-524484B5923D}" type="datetimeFigureOut">
               <a:rPr lang="en-US"/>
               <a:pPr/>
-              <a:t>4/13/17</a:t>
+              <a:t>4/13/2017</a:t>
             </a:fld>
             <a:endParaRPr/>
           </a:p>
@@ -2091,7 +2091,7 @@
             <a:fld id="{8E36636D-D922-432D-A958-524484B5923D}" type="datetimeFigureOut">
               <a:rPr lang="en-US"/>
               <a:pPr/>
-              <a:t>4/13/17</a:t>
+              <a:t>4/13/2017</a:t>
             </a:fld>
             <a:endParaRPr/>
           </a:p>
@@ -2413,7 +2413,7 @@
             <a:fld id="{8E36636D-D922-432D-A958-524484B5923D}" type="datetimeFigureOut">
               <a:rPr lang="en-US"/>
               <a:pPr/>
-              <a:t>4/13/17</a:t>
+              <a:t>4/13/2017</a:t>
             </a:fld>
             <a:endParaRPr/>
           </a:p>
@@ -2863,7 +2863,7 @@
             <a:fld id="{8E36636D-D922-432D-A958-524484B5923D}" type="datetimeFigureOut">
               <a:rPr lang="en-US"/>
               <a:pPr/>
-              <a:t>4/13/17</a:t>
+              <a:t>4/13/2017</a:t>
             </a:fld>
             <a:endParaRPr/>
           </a:p>
@@ -2995,7 +2995,7 @@
             <a:fld id="{8E36636D-D922-432D-A958-524484B5923D}" type="datetimeFigureOut">
               <a:rPr lang="en-US"/>
               <a:pPr/>
-              <a:t>4/13/17</a:t>
+              <a:t>4/13/2017</a:t>
             </a:fld>
             <a:endParaRPr/>
           </a:p>
@@ -3257,7 +3257,7 @@
             <a:fld id="{8E36636D-D922-432D-A958-524484B5923D}" type="datetimeFigureOut">
               <a:rPr lang="en-US"/>
               <a:pPr/>
-              <a:t>4/13/17</a:t>
+              <a:t>4/13/2017</a:t>
             </a:fld>
             <a:endParaRPr/>
           </a:p>
@@ -3604,7 +3604,7 @@
             <a:fld id="{8E36636D-D922-432D-A958-524484B5923D}" type="datetimeFigureOut">
               <a:rPr lang="en-US"/>
               <a:pPr/>
-              <a:t>4/13/17</a:t>
+              <a:t>4/13/2017</a:t>
             </a:fld>
             <a:endParaRPr/>
           </a:p>
@@ -3939,7 +3939,7 @@
             <a:fld id="{8E36636D-D922-432D-A958-524484B5923D}" type="datetimeFigureOut">
               <a:rPr lang="en-US"/>
               <a:pPr/>
-              <a:t>4/13/17</a:t>
+              <a:t>4/13/2017</a:t>
             </a:fld>
             <a:endParaRPr/>
           </a:p>
@@ -4470,7 +4470,7 @@
             <a:fld id="{8E36636D-D922-432D-A958-524484B5923D}" type="datetimeFigureOut">
               <a:rPr lang="en-US"/>
               <a:pPr/>
-              <a:t>4/13/17</a:t>
+              <a:t>4/13/2017</a:t>
             </a:fld>
             <a:endParaRPr/>
           </a:p>
@@ -5010,13 +5010,6 @@
       </p:transition>
     </mc:Fallback>
   </mc:AlternateContent>
-  <p:timing>
-    <p:tnLst>
-      <p:par>
-        <p:cTn id="1" dur="indefinite" restart="never" nodeType="tmRoot"/>
-      </p:par>
-    </p:tnLst>
-  </p:timing>
 </p:sld>
 </file>
 
@@ -5081,13 +5074,6 @@
       </p:transition>
     </mc:Fallback>
   </mc:AlternateContent>
-  <p:timing>
-    <p:tnLst>
-      <p:par>
-        <p:cTn id="1" dur="indefinite" restart="never" nodeType="tmRoot"/>
-      </p:par>
-    </p:tnLst>
-  </p:timing>
 </p:sld>
 </file>
 
@@ -5129,7 +5115,7 @@
           <a:lstStyle/>
           <a:p>
             <a:r>
-              <a:rPr lang="en-US" smtClean="0"/>
+              <a:rPr lang="en-US"/>
               <a:t>Critical Exponent</a:t>
             </a:r>
             <a:endParaRPr lang="en-US" dirty="0"/>
@@ -5184,8 +5170,8 @@
           </a:prstGeom>
         </p:spPr>
       </p:pic>
-      <mc:AlternateContent xmlns:mc="http://schemas.openxmlformats.org/markup-compatibility/2006">
-        <mc:Choice xmlns:a14="http://schemas.microsoft.com/office/drawing/2010/main" Requires="a14">
+      <mc:AlternateContent xmlns:mc="http://schemas.openxmlformats.org/markup-compatibility/2006" xmlns:a14="http://schemas.microsoft.com/office/drawing/2010/main">
+        <mc:Choice Requires="a14">
           <p:sp>
             <p:nvSpPr>
               <p:cNvPr id="13" name="TextBox 12"/>
@@ -5214,11 +5200,11 @@
                   </a:lnSpc>
                 </a:pPr>
                 <a:r>
-                  <a:rPr lang="en-US" sz="2400" b="1" dirty="0" smtClean="0"/>
+                  <a:rPr lang="en-US" sz="2400" b="1" dirty="0"/>
                   <a:t>Theoretical</a:t>
                 </a:r>
                 <a:r>
-                  <a:rPr lang="en-US" sz="2400" dirty="0" smtClean="0"/>
+                  <a:rPr lang="en-US" sz="2400" dirty="0"/>
                   <a:t> </a:t>
                 </a:r>
                 <a14:m>
@@ -5246,7 +5232,7 @@
             </p:txBody>
           </p:sp>
         </mc:Choice>
-        <mc:Fallback>
+        <mc:Fallback xmlns="">
           <p:sp>
             <p:nvSpPr>
               <p:cNvPr id="13" name="TextBox 12"/>
@@ -5285,8 +5271,8 @@
           </p:sp>
         </mc:Fallback>
       </mc:AlternateContent>
-      <mc:AlternateContent xmlns:mc="http://schemas.openxmlformats.org/markup-compatibility/2006">
-        <mc:Choice xmlns:a14="http://schemas.microsoft.com/office/drawing/2010/main" Requires="a14">
+      <mc:AlternateContent xmlns:mc="http://schemas.openxmlformats.org/markup-compatibility/2006" xmlns:a14="http://schemas.microsoft.com/office/drawing/2010/main">
+        <mc:Choice Requires="a14">
           <p:sp>
             <p:nvSpPr>
               <p:cNvPr id="14" name="TextBox 13"/>
@@ -5325,7 +5311,7 @@
                           <m:type m:val="skw"/>
                           <m:ctrlPr>
                             <a:rPr lang="en-US" sz="2400" i="1" smtClean="0">
-                              <a:latin typeface="Cambria Math" charset="0"/>
+                              <a:latin typeface="Cambria Math" panose="02040503050406030204" pitchFamily="18" charset="0"/>
                             </a:rPr>
                           </m:ctrlPr>
                         </m:fPr>
@@ -5370,7 +5356,7 @@
             </p:txBody>
           </p:sp>
         </mc:Choice>
-        <mc:Fallback>
+        <mc:Fallback xmlns="">
           <p:sp>
             <p:nvSpPr>
               <p:cNvPr id="14" name="TextBox 13"/>
@@ -5437,14 +5423,13 @@
               </a:lnSpc>
             </a:pPr>
             <a:r>
-              <a:rPr lang="en-US" sz="2400" b="1" dirty="0" smtClean="0"/>
+              <a:rPr lang="en-US" sz="2400" b="1" dirty="0"/>
               <a:t>Our results</a:t>
             </a:r>
             <a:r>
-              <a:rPr lang="en-US" sz="2400" dirty="0" smtClean="0"/>
+              <a:rPr lang="en-US" sz="2400" dirty="0"/>
               <a:t>:</a:t>
             </a:r>
-            <a:endParaRPr lang="en-US" sz="2400" dirty="0"/>
           </a:p>
         </p:txBody>
       </p:sp>
@@ -5476,7 +5461,7 @@
               </a:lnSpc>
             </a:pPr>
             <a:r>
-              <a:rPr lang="en-US" sz="2400" dirty="0" smtClean="0"/>
+              <a:rPr lang="en-US" sz="2400" dirty="0"/>
               <a:t>0.1383</a:t>
             </a:r>
           </a:p>
@@ -5487,7 +5472,7 @@
               </a:lnSpc>
             </a:pPr>
             <a:r>
-              <a:rPr lang="en-US" sz="2400" dirty="0" smtClean="0"/>
+              <a:rPr lang="en-US" sz="2400" dirty="0"/>
               <a:t>0.1094</a:t>
             </a:r>
           </a:p>
@@ -5498,7 +5483,7 @@
               </a:lnSpc>
             </a:pPr>
             <a:r>
-              <a:rPr lang="en-US" sz="2400" dirty="0" smtClean="0"/>
+              <a:rPr lang="en-US" sz="2400" dirty="0"/>
               <a:t>0.1232</a:t>
             </a:r>
           </a:p>
@@ -5564,13 +5549,6 @@
       </p:transition>
     </mc:Fallback>
   </mc:AlternateContent>
-  <p:timing>
-    <p:tnLst>
-      <p:par>
-        <p:cTn id="1" dur="indefinite" restart="never" nodeType="tmRoot"/>
-      </p:par>
-    </p:tnLst>
-  </p:timing>
 </p:sld>
 </file>
 
@@ -5677,13 +5655,6 @@
       </p:transition>
     </mc:Fallback>
   </mc:AlternateContent>
-  <p:timing>
-    <p:tnLst>
-      <p:par>
-        <p:cTn id="1" dur="indefinite" restart="never" nodeType="tmRoot"/>
-      </p:par>
-    </p:tnLst>
-  </p:timing>
 </p:sld>
 </file>
 
@@ -5782,13 +5753,6 @@
       </p:transition>
     </mc:Fallback>
   </mc:AlternateContent>
-  <p:timing>
-    <p:tnLst>
-      <p:par>
-        <p:cTn id="1" dur="indefinite" restart="never" nodeType="tmRoot"/>
-      </p:par>
-    </p:tnLst>
-  </p:timing>
 </p:sld>
 </file>
 
@@ -5853,13 +5817,6 @@
       </p:transition>
     </mc:Fallback>
   </mc:AlternateContent>
-  <p:timing>
-    <p:tnLst>
-      <p:par>
-        <p:cTn id="1" dur="indefinite" restart="never" nodeType="tmRoot"/>
-      </p:par>
-    </p:tnLst>
-  </p:timing>
 </p:sld>
 </file>
 
@@ -5920,7 +5877,7 @@
         </p:spPr>
         <p:txBody>
           <a:bodyPr>
-            <a:normAutofit lnSpcReduction="10000"/>
+            <a:normAutofit/>
           </a:bodyPr>
           <a:lstStyle/>
           <a:p>
@@ -6242,13 +6199,6 @@
       </p:transition>
     </mc:Fallback>
   </mc:AlternateContent>
-  <p:timing>
-    <p:tnLst>
-      <p:par>
-        <p:cTn id="1" dur="indefinite" restart="never" nodeType="tmRoot"/>
-      </p:par>
-    </p:tnLst>
-  </p:timing>
 </p:sld>
 </file>
 
@@ -6281,8 +6231,8 @@
         </p:nvSpPr>
         <p:spPr>
           <a:xfrm>
-            <a:off x="1375026" y="-1104901"/>
-            <a:ext cx="4498975" cy="2057400"/>
+            <a:off x="1375026" y="380999"/>
+            <a:ext cx="4498975" cy="571499"/>
           </a:xfrm>
         </p:spPr>
         <p:txBody>
@@ -6424,253 +6374,6 @@
       </p:pic>
       <p:sp>
         <p:nvSpPr>
-          <p:cNvPr id="8" name="Text Placeholder 4"/>
-          <p:cNvSpPr txBox="1">
-            <a:spLocks/>
-          </p:cNvSpPr>
-          <p:nvPr/>
-        </p:nvSpPr>
-        <p:spPr>
-          <a:xfrm>
-            <a:off x="6631238" y="1461090"/>
-            <a:ext cx="4876801" cy="685801"/>
-          </a:xfrm>
-          <a:prstGeom prst="rect">
-            <a:avLst/>
-          </a:prstGeom>
-        </p:spPr>
-        <p:txBody>
-          <a:bodyPr/>
-          <a:lstStyle>
-            <a:lvl1pPr marL="274320" indent="-274320" algn="l" defTabSz="914400" rtl="0" eaLnBrk="1" latinLnBrk="0" hangingPunct="1">
-              <a:lnSpc>
-                <a:spcPct val="90000"/>
-              </a:lnSpc>
-              <a:spcBef>
-                <a:spcPts val="1800"/>
-              </a:spcBef>
-              <a:buClr>
-                <a:schemeClr val="tx1"/>
-              </a:buClr>
-              <a:buSzPct val="100000"/>
-              <a:buFont typeface="Arial" pitchFamily="34" charset="0"/>
-              <a:buChar char="▪"/>
-              <a:defRPr sz="2400" kern="1200">
-                <a:solidFill>
-                  <a:schemeClr val="tx1"/>
-                </a:solidFill>
-                <a:latin typeface="+mn-lt"/>
-                <a:ea typeface="+mn-ea"/>
-                <a:cs typeface="+mn-cs"/>
-              </a:defRPr>
-            </a:lvl1pPr>
-            <a:lvl2pPr marL="548640" indent="-228600" algn="l" defTabSz="914400" rtl="0" eaLnBrk="1" latinLnBrk="0" hangingPunct="1">
-              <a:lnSpc>
-                <a:spcPct val="90000"/>
-              </a:lnSpc>
-              <a:spcBef>
-                <a:spcPts val="1000"/>
-              </a:spcBef>
-              <a:buClr>
-                <a:schemeClr val="tx1"/>
-              </a:buClr>
-              <a:buSzPct val="100000"/>
-              <a:buFont typeface="Arial" pitchFamily="34" charset="0"/>
-              <a:buChar char="–"/>
-              <a:defRPr sz="2000" kern="1200">
-                <a:solidFill>
-                  <a:schemeClr val="tx1"/>
-                </a:solidFill>
-                <a:latin typeface="+mn-lt"/>
-                <a:ea typeface="+mn-ea"/>
-                <a:cs typeface="+mn-cs"/>
-              </a:defRPr>
-            </a:lvl2pPr>
-            <a:lvl3pPr marL="822960" indent="-228600" algn="l" defTabSz="914400" rtl="0" eaLnBrk="1" latinLnBrk="0" hangingPunct="1">
-              <a:lnSpc>
-                <a:spcPct val="90000"/>
-              </a:lnSpc>
-              <a:spcBef>
-                <a:spcPts val="800"/>
-              </a:spcBef>
-              <a:buClr>
-                <a:schemeClr val="tx1"/>
-              </a:buClr>
-              <a:buSzPct val="100000"/>
-              <a:buFont typeface="Arial" pitchFamily="34" charset="0"/>
-              <a:buChar char="▪"/>
-              <a:defRPr sz="1800" kern="1200">
-                <a:solidFill>
-                  <a:schemeClr val="tx1"/>
-                </a:solidFill>
-                <a:latin typeface="+mn-lt"/>
-                <a:ea typeface="+mn-ea"/>
-                <a:cs typeface="+mn-cs"/>
-              </a:defRPr>
-            </a:lvl3pPr>
-            <a:lvl4pPr marL="1097280" indent="-228600" algn="l" defTabSz="914400" rtl="0" eaLnBrk="1" latinLnBrk="0" hangingPunct="1">
-              <a:lnSpc>
-                <a:spcPct val="90000"/>
-              </a:lnSpc>
-              <a:spcBef>
-                <a:spcPts val="800"/>
-              </a:spcBef>
-              <a:buClr>
-                <a:schemeClr val="tx1"/>
-              </a:buClr>
-              <a:buSzPct val="100000"/>
-              <a:buFont typeface="Arial" pitchFamily="34" charset="0"/>
-              <a:buChar char="–"/>
-              <a:defRPr sz="1600" kern="1200">
-                <a:solidFill>
-                  <a:schemeClr val="tx1"/>
-                </a:solidFill>
-                <a:latin typeface="+mn-lt"/>
-                <a:ea typeface="+mn-ea"/>
-                <a:cs typeface="+mn-cs"/>
-              </a:defRPr>
-            </a:lvl4pPr>
-            <a:lvl5pPr marL="1325880" indent="-228600" algn="l" defTabSz="914400" rtl="0" eaLnBrk="1" latinLnBrk="0" hangingPunct="1">
-              <a:lnSpc>
-                <a:spcPct val="90000"/>
-              </a:lnSpc>
-              <a:spcBef>
-                <a:spcPts val="800"/>
-              </a:spcBef>
-              <a:buClr>
-                <a:schemeClr val="tx1"/>
-              </a:buClr>
-              <a:buSzPct val="100000"/>
-              <a:buFont typeface="Arial" pitchFamily="34" charset="0"/>
-              <a:buChar char="▪"/>
-              <a:defRPr sz="1600" kern="1200">
-                <a:solidFill>
-                  <a:schemeClr val="tx1"/>
-                </a:solidFill>
-                <a:latin typeface="+mn-lt"/>
-                <a:ea typeface="+mn-ea"/>
-                <a:cs typeface="+mn-cs"/>
-              </a:defRPr>
-            </a:lvl5pPr>
-            <a:lvl6pPr marL="1554480" indent="-228600" algn="l" defTabSz="914400" rtl="0" eaLnBrk="1" latinLnBrk="0" hangingPunct="1">
-              <a:lnSpc>
-                <a:spcPct val="90000"/>
-              </a:lnSpc>
-              <a:spcBef>
-                <a:spcPts val="800"/>
-              </a:spcBef>
-              <a:buClr>
-                <a:schemeClr val="tx1"/>
-              </a:buClr>
-              <a:buSzPct val="100000"/>
-              <a:buFont typeface="Arial" pitchFamily="34" charset="0"/>
-              <a:buChar char="–"/>
-              <a:defRPr sz="1600" kern="1200">
-                <a:solidFill>
-                  <a:schemeClr val="tx1"/>
-                </a:solidFill>
-                <a:latin typeface="+mn-lt"/>
-                <a:ea typeface="+mn-ea"/>
-                <a:cs typeface="+mn-cs"/>
-              </a:defRPr>
-            </a:lvl6pPr>
-            <a:lvl7pPr marL="1783080" indent="-228600" algn="l" defTabSz="914400" rtl="0" eaLnBrk="1" latinLnBrk="0" hangingPunct="1">
-              <a:lnSpc>
-                <a:spcPct val="90000"/>
-              </a:lnSpc>
-              <a:spcBef>
-                <a:spcPts val="800"/>
-              </a:spcBef>
-              <a:buClr>
-                <a:schemeClr val="tx1"/>
-              </a:buClr>
-              <a:buSzPct val="100000"/>
-              <a:buFont typeface="Arial" pitchFamily="34" charset="0"/>
-              <a:buChar char="▪"/>
-              <a:defRPr sz="1600" kern="1200">
-                <a:solidFill>
-                  <a:schemeClr val="tx1"/>
-                </a:solidFill>
-                <a:latin typeface="+mn-lt"/>
-                <a:ea typeface="+mn-ea"/>
-                <a:cs typeface="+mn-cs"/>
-              </a:defRPr>
-            </a:lvl7pPr>
-            <a:lvl8pPr marL="2011680" indent="-228600" algn="l" defTabSz="914400" rtl="0" eaLnBrk="1" latinLnBrk="0" hangingPunct="1">
-              <a:lnSpc>
-                <a:spcPct val="90000"/>
-              </a:lnSpc>
-              <a:spcBef>
-                <a:spcPts val="800"/>
-              </a:spcBef>
-              <a:buClr>
-                <a:schemeClr val="tx1"/>
-              </a:buClr>
-              <a:buSzPct val="100000"/>
-              <a:buFont typeface="Arial" pitchFamily="34" charset="0"/>
-              <a:buChar char="–"/>
-              <a:defRPr sz="1600" kern="1200">
-                <a:solidFill>
-                  <a:schemeClr val="tx1"/>
-                </a:solidFill>
-                <a:latin typeface="+mn-lt"/>
-                <a:ea typeface="+mn-ea"/>
-                <a:cs typeface="+mn-cs"/>
-              </a:defRPr>
-            </a:lvl8pPr>
-            <a:lvl9pPr marL="2240280" indent="-228600" algn="l" defTabSz="914400" rtl="0" eaLnBrk="1" latinLnBrk="0" hangingPunct="1">
-              <a:lnSpc>
-                <a:spcPct val="90000"/>
-              </a:lnSpc>
-              <a:spcBef>
-                <a:spcPts val="800"/>
-              </a:spcBef>
-              <a:buClr>
-                <a:schemeClr val="tx1"/>
-              </a:buClr>
-              <a:buSzPct val="100000"/>
-              <a:buFont typeface="Arial" pitchFamily="34" charset="0"/>
-              <a:buChar char="▪"/>
-              <a:defRPr sz="1600" kern="1200">
-                <a:solidFill>
-                  <a:schemeClr val="tx1"/>
-                </a:solidFill>
-                <a:latin typeface="+mn-lt"/>
-                <a:ea typeface="+mn-ea"/>
-                <a:cs typeface="+mn-cs"/>
-              </a:defRPr>
-            </a:lvl9pPr>
-          </a:lstStyle>
-          <a:p>
-            <a:pPr marL="0" indent="0">
-              <a:buNone/>
-            </a:pPr>
-            <a:r>
-              <a:rPr lang="en-US" sz="3200" b="1" dirty="0" err="1" smtClean="0">
-                <a:solidFill>
-                  <a:srgbClr val="92D050"/>
-                </a:solidFill>
-              </a:rPr>
-              <a:t>Pseudocode</a:t>
-            </a:r>
-            <a:r>
-              <a:rPr lang="en-US" dirty="0" smtClean="0">
-                <a:solidFill>
-                  <a:srgbClr val="92D050"/>
-                </a:solidFill>
-              </a:rPr>
-              <a:t>:</a:t>
-            </a:r>
-            <a:endParaRPr lang="en-US" dirty="0">
-              <a:solidFill>
-                <a:srgbClr val="92D050"/>
-              </a:solidFill>
-            </a:endParaRPr>
-          </a:p>
-        </p:txBody>
-      </p:sp>
-      <p:sp>
-        <p:nvSpPr>
           <p:cNvPr id="9" name="TextBox 8"/>
           <p:cNvSpPr txBox="1"/>
           <p:nvPr/>
@@ -6740,6 +6443,54 @@
             <a:r>
               <a:rPr lang="en-US" sz="2400" dirty="0"/>
               <a:t>Repeat until the same cluster touches all sides</a:t>
+            </a:r>
+          </a:p>
+        </p:txBody>
+      </p:sp>
+      <p:sp>
+        <p:nvSpPr>
+          <p:cNvPr id="10" name="Title 1"/>
+          <p:cNvSpPr txBox="1">
+            <a:spLocks/>
+          </p:cNvSpPr>
+          <p:nvPr/>
+        </p:nvSpPr>
+        <p:spPr>
+          <a:xfrm>
+            <a:off x="6595980" y="1447800"/>
+            <a:ext cx="4498975" cy="571499"/>
+          </a:xfrm>
+          <a:prstGeom prst="rect">
+            <a:avLst/>
+          </a:prstGeom>
+        </p:spPr>
+        <p:txBody>
+          <a:bodyPr vert="horz" lIns="91440" tIns="45720" rIns="91440" bIns="45720" rtlCol="0" anchor="b">
+            <a:normAutofit/>
+          </a:bodyPr>
+          <a:lstStyle>
+            <a:lvl1pPr algn="l" defTabSz="914400" rtl="0" eaLnBrk="1" latinLnBrk="0" hangingPunct="1">
+              <a:lnSpc>
+                <a:spcPct val="90000"/>
+              </a:lnSpc>
+              <a:spcBef>
+                <a:spcPct val="0"/>
+              </a:spcBef>
+              <a:buNone/>
+              <a:defRPr sz="3200" kern="1200">
+                <a:solidFill>
+                  <a:schemeClr val="accent1"/>
+                </a:solidFill>
+                <a:latin typeface="+mj-lt"/>
+                <a:ea typeface="+mj-ea"/>
+                <a:cs typeface="+mj-cs"/>
+              </a:defRPr>
+            </a:lvl1pPr>
+          </a:lstStyle>
+          <a:p>
+            <a:r>
+              <a:rPr lang="en-US" dirty="0"/>
+              <a:t>Pseudocode</a:t>
             </a:r>
           </a:p>
         </p:txBody>
@@ -6766,13 +6517,6 @@
       </p:transition>
     </mc:Fallback>
   </mc:AlternateContent>
-  <p:timing>
-    <p:tnLst>
-      <p:par>
-        <p:cTn id="1" dur="indefinite" restart="never" nodeType="tmRoot"/>
-      </p:par>
-    </p:tnLst>
-  </p:timing>
 </p:sld>
 </file>
 
@@ -6803,43 +6547,83 @@
             <p:ph type="title"/>
           </p:nvPr>
         </p:nvSpPr>
-        <p:spPr/>
+        <p:spPr>
+          <a:xfrm>
+            <a:off x="760412" y="609600"/>
+            <a:ext cx="9906002" cy="1066800"/>
+          </a:xfrm>
+        </p:spPr>
         <p:txBody>
           <a:bodyPr/>
           <a:lstStyle/>
           <a:p>
             <a:r>
-              <a:rPr lang="en-US" dirty="0" smtClean="0"/>
-              <a:t>Time to run</a:t>
-            </a:r>
-            <a:endParaRPr lang="en-US" dirty="0"/>
-          </a:p>
-        </p:txBody>
-      </p:sp>
-      <p:sp>
-        <p:nvSpPr>
-          <p:cNvPr id="3" name="Content Placeholder 2"/>
-          <p:cNvSpPr>
-            <a:spLocks noGrp="1"/>
-          </p:cNvSpPr>
-          <p:nvPr>
-            <p:ph idx="1"/>
-          </p:nvPr>
-        </p:nvSpPr>
+              <a:rPr lang="en-US" dirty="0"/>
+              <a:t>Time to run – speed up</a:t>
+            </a:r>
+          </a:p>
+        </p:txBody>
+      </p:sp>
+      <p:pic>
+        <p:nvPicPr>
+          <p:cNvPr id="9" name="Picture 8"/>
+          <p:cNvPicPr>
+            <a:picLocks noChangeAspect="1"/>
+          </p:cNvPicPr>
+          <p:nvPr/>
+        </p:nvPicPr>
+        <p:blipFill>
+          <a:blip r:embed="rId2">
+            <a:extLst>
+              <a:ext uri="{28A0092B-C50C-407E-A947-70E740481C1C}">
+                <a14:useLocalDpi xmlns:a14="http://schemas.microsoft.com/office/drawing/2010/main" val="0"/>
+              </a:ext>
+            </a:extLst>
+          </a:blip>
+          <a:stretch>
+            <a:fillRect/>
+          </a:stretch>
+        </p:blipFill>
         <p:spPr>
           <a:xfrm>
-            <a:off x="1522876" y="2362200"/>
-            <a:ext cx="9143538" cy="4114800"/>
+            <a:off x="684212" y="1981200"/>
+            <a:ext cx="4724400" cy="3543300"/>
           </a:xfrm>
+          <a:prstGeom prst="rect">
+            <a:avLst/>
+          </a:prstGeom>
         </p:spPr>
-        <p:txBody>
-          <a:bodyPr/>
-          <a:lstStyle/>
-          <a:p>
-            <a:endParaRPr lang="en-US"/>
-          </a:p>
-        </p:txBody>
-      </p:sp>
+      </p:pic>
+      <p:pic>
+        <p:nvPicPr>
+          <p:cNvPr id="11" name="Picture 10"/>
+          <p:cNvPicPr>
+            <a:picLocks noChangeAspect="1"/>
+          </p:cNvPicPr>
+          <p:nvPr/>
+        </p:nvPicPr>
+        <p:blipFill>
+          <a:blip r:embed="rId3">
+            <a:extLst>
+              <a:ext uri="{28A0092B-C50C-407E-A947-70E740481C1C}">
+                <a14:useLocalDpi xmlns:a14="http://schemas.microsoft.com/office/drawing/2010/main" val="0"/>
+              </a:ext>
+            </a:extLst>
+          </a:blip>
+          <a:stretch>
+            <a:fillRect/>
+          </a:stretch>
+        </p:blipFill>
+        <p:spPr>
+          <a:xfrm>
+            <a:off x="6094412" y="1981200"/>
+            <a:ext cx="4724400" cy="3543300"/>
+          </a:xfrm>
+          <a:prstGeom prst="rect">
+            <a:avLst/>
+          </a:prstGeom>
+        </p:spPr>
+      </p:pic>
     </p:spTree>
     <p:extLst>
       <p:ext uri="{BB962C8B-B14F-4D97-AF65-F5344CB8AC3E}">
@@ -6930,13 +6714,8 @@
           <a:p>
             <a:r>
               <a:rPr lang="en-US" dirty="0"/>
-              <a:t>Snapshots taken at </a:t>
-            </a:r>
-            <a:r>
-              <a:rPr lang="en-US" dirty="0" smtClean="0"/>
-              <a:t>equally spaced steps</a:t>
-            </a:r>
-            <a:endParaRPr lang="en-US" dirty="0"/>
+              <a:t>Snapshots taken at equally spaced steps</a:t>
+            </a:r>
           </a:p>
         </p:txBody>
       </p:sp>
@@ -6992,13 +6771,6 @@
       </p:transition>
     </mc:Fallback>
   </mc:AlternateContent>
-  <p:timing>
-    <p:tnLst>
-      <p:par>
-        <p:cTn id="1" dur="indefinite" restart="never" nodeType="tmRoot"/>
-      </p:par>
-    </p:tnLst>
-  </p:timing>
 </p:sld>
 </file>
 
@@ -7063,13 +6835,6 @@
       </p:transition>
     </mc:Fallback>
   </mc:AlternateContent>
-  <p:timing>
-    <p:tnLst>
-      <p:par>
-        <p:cTn id="1" dur="indefinite" restart="never" nodeType="tmRoot"/>
-      </p:par>
-    </p:tnLst>
-  </p:timing>
 </p:sld>
 </file>
 
@@ -7143,10 +6908,9 @@
           <a:lstStyle/>
           <a:p>
             <a:r>
-              <a:rPr lang="en-US" sz="2800" b="1" dirty="0" smtClean="0"/>
+              <a:rPr lang="en-US" sz="2800" b="1" dirty="0"/>
               <a:t>Occupation probability:</a:t>
             </a:r>
-            <a:endParaRPr lang="en-US" sz="2800" b="1" dirty="0"/>
           </a:p>
         </p:txBody>
       </p:sp>
@@ -7195,7 +6959,7 @@
             </p:spPr>
             <p:txBody>
               <a:bodyPr vert="horz" lIns="91440" tIns="45720" rIns="91440" bIns="45720" rtlCol="0" anchor="t">
-                <a:normAutofit fontScale="92500" lnSpcReduction="20000"/>
+                <a:normAutofit fontScale="92500" lnSpcReduction="10000"/>
               </a:bodyPr>
               <a:lstStyle>
                 <a:lvl1pPr marL="0" indent="0" algn="l" defTabSz="914400" rtl="0" eaLnBrk="1" latinLnBrk="0" hangingPunct="1">
@@ -7415,12 +7179,12 @@
               </a:lstStyle>
               <a:p>
                 <a:r>
-                  <a:rPr lang="en-US" sz="2800" b="1" dirty="0" smtClean="0"/>
+                  <a:rPr lang="en-US" sz="2800" b="1" dirty="0"/>
                   <a:t>Critical probability:</a:t>
                 </a:r>
               </a:p>
               <a:p>
-                <a:endParaRPr lang="en-US" sz="2800" b="1" dirty="0" smtClean="0"/>
+                <a:endParaRPr lang="en-US" sz="2800" b="1" dirty="0"/>
               </a:p>
               <a:p>
                 <a:pPr marL="342900" indent="-342900">
@@ -7428,7 +7192,7 @@
                   <a:buChar char="•"/>
                 </a:pPr>
                 <a:r>
-                  <a:rPr lang="en-US" dirty="0" smtClean="0"/>
+                  <a:rPr lang="en-US" dirty="0"/>
                   <a:t>First time spanning cluster appears</a:t>
                 </a:r>
               </a:p>
@@ -7437,7 +7201,7 @@
                   <a:buFont typeface="Arial" charset="0"/>
                   <a:buChar char="•"/>
                 </a:pPr>
-                <a:endParaRPr lang="en-US" dirty="0" smtClean="0"/>
+                <a:endParaRPr lang="en-US" dirty="0"/>
               </a:p>
               <a:p>
                 <a:pPr marL="342900" indent="-342900">
@@ -7445,7 +7209,7 @@
                   <a:buChar char="•"/>
                 </a:pPr>
                 <a:r>
-                  <a:rPr lang="en-US" dirty="0" smtClean="0"/>
+                  <a:rPr lang="en-US" dirty="0"/>
                   <a:t>For infinite lattice: </a:t>
                 </a:r>
                 <a14:m>
@@ -7454,7 +7218,7 @@
                       <m:sSubPr>
                         <m:ctrlPr>
                           <a:rPr lang="en-US" b="0" i="1" smtClean="0">
-                            <a:latin typeface="Cambria Math" charset="0"/>
+                            <a:latin typeface="Cambria Math" panose="02040503050406030204" pitchFamily="18" charset="0"/>
                           </a:rPr>
                         </m:ctrlPr>
                       </m:sSubPr>
@@ -7505,10 +7269,10 @@
               <a:prstGeom prst="rect">
                 <a:avLst/>
               </a:prstGeom>
-              <a:blipFill rotWithShape="0">
+              <a:blipFill>
                 <a:blip r:embed="rId4"/>
                 <a:stretch>
-                  <a:fillRect l="-2195" t="-10781" b="-4089"/>
+                  <a:fillRect l="-2195" t="-7435" b="-1487"/>
                 </a:stretch>
               </a:blipFill>
             </p:spPr>
